--- a/slides/1/etc/code_map.pptx
+++ b/slides/1/etc/code_map.pptx
@@ -1,19 +1,119 @@
 
 <file path=ppt/presentation.xml><?xml version="1.0" encoding="utf-8"?>
-<p:presentation xmlns:a="http://schemas.openxmlformats.org/drawingml/2006/main" xmlns:p="http://schemas.openxmlformats.org/presentationml/2006/main" xmlns:r="http://schemas.openxmlformats.org/officeDocument/2006/relationships" xmlns:p14="http://schemas.microsoft.com/office/powerpoint/2010/main" xmlns:p15="http://schemas.microsoft.com/office/powerpoint/2012/main" xmlns:mc="http://schemas.openxmlformats.org/markup-compatibility/2006">
+<p:presentation xmlns:a="http://schemas.openxmlformats.org/drawingml/2006/main" xmlns:r="http://schemas.openxmlformats.org/officeDocument/2006/relationships" xmlns:p="http://schemas.openxmlformats.org/presentationml/2006/main">
   <p:sldMasterIdLst>
-    <p:sldMasterId id="2147483648" r:id="rId2"/>
+    <p:sldMasterId id="2147483648" r:id="rId1"/>
   </p:sldMasterIdLst>
   <p:sldIdLst>
-    <p:sldId id="256" r:id="rId3"/>
+    <p:sldId id="256" r:id="rId2"/>
   </p:sldIdLst>
   <p:sldSz cx="10080625" cy="5670550"/>
-  <p:notesSz cx="7559675" cy="10691812"/>
+  <p:notesSz cx="7559675" cy="10691813"/>
+  <p:defaultTextStyle>
+    <a:defPPr>
+      <a:defRPr lang="en-US"/>
+    </a:defPPr>
+    <a:lvl1pPr marL="0" algn="l" defTabSz="914400" rtl="0" eaLnBrk="1" latinLnBrk="0" hangingPunct="1">
+      <a:defRPr sz="1800" kern="1200">
+        <a:solidFill>
+          <a:schemeClr val="tx1"/>
+        </a:solidFill>
+        <a:latin typeface="+mn-lt"/>
+        <a:ea typeface="+mn-ea"/>
+        <a:cs typeface="+mn-cs"/>
+      </a:defRPr>
+    </a:lvl1pPr>
+    <a:lvl2pPr marL="457200" algn="l" defTabSz="914400" rtl="0" eaLnBrk="1" latinLnBrk="0" hangingPunct="1">
+      <a:defRPr sz="1800" kern="1200">
+        <a:solidFill>
+          <a:schemeClr val="tx1"/>
+        </a:solidFill>
+        <a:latin typeface="+mn-lt"/>
+        <a:ea typeface="+mn-ea"/>
+        <a:cs typeface="+mn-cs"/>
+      </a:defRPr>
+    </a:lvl2pPr>
+    <a:lvl3pPr marL="914400" algn="l" defTabSz="914400" rtl="0" eaLnBrk="1" latinLnBrk="0" hangingPunct="1">
+      <a:defRPr sz="1800" kern="1200">
+        <a:solidFill>
+          <a:schemeClr val="tx1"/>
+        </a:solidFill>
+        <a:latin typeface="+mn-lt"/>
+        <a:ea typeface="+mn-ea"/>
+        <a:cs typeface="+mn-cs"/>
+      </a:defRPr>
+    </a:lvl3pPr>
+    <a:lvl4pPr marL="1371600" algn="l" defTabSz="914400" rtl="0" eaLnBrk="1" latinLnBrk="0" hangingPunct="1">
+      <a:defRPr sz="1800" kern="1200">
+        <a:solidFill>
+          <a:schemeClr val="tx1"/>
+        </a:solidFill>
+        <a:latin typeface="+mn-lt"/>
+        <a:ea typeface="+mn-ea"/>
+        <a:cs typeface="+mn-cs"/>
+      </a:defRPr>
+    </a:lvl4pPr>
+    <a:lvl5pPr marL="1828800" algn="l" defTabSz="914400" rtl="0" eaLnBrk="1" latinLnBrk="0" hangingPunct="1">
+      <a:defRPr sz="1800" kern="1200">
+        <a:solidFill>
+          <a:schemeClr val="tx1"/>
+        </a:solidFill>
+        <a:latin typeface="+mn-lt"/>
+        <a:ea typeface="+mn-ea"/>
+        <a:cs typeface="+mn-cs"/>
+      </a:defRPr>
+    </a:lvl5pPr>
+    <a:lvl6pPr marL="2286000" algn="l" defTabSz="914400" rtl="0" eaLnBrk="1" latinLnBrk="0" hangingPunct="1">
+      <a:defRPr sz="1800" kern="1200">
+        <a:solidFill>
+          <a:schemeClr val="tx1"/>
+        </a:solidFill>
+        <a:latin typeface="+mn-lt"/>
+        <a:ea typeface="+mn-ea"/>
+        <a:cs typeface="+mn-cs"/>
+      </a:defRPr>
+    </a:lvl6pPr>
+    <a:lvl7pPr marL="2743200" algn="l" defTabSz="914400" rtl="0" eaLnBrk="1" latinLnBrk="0" hangingPunct="1">
+      <a:defRPr sz="1800" kern="1200">
+        <a:solidFill>
+          <a:schemeClr val="tx1"/>
+        </a:solidFill>
+        <a:latin typeface="+mn-lt"/>
+        <a:ea typeface="+mn-ea"/>
+        <a:cs typeface="+mn-cs"/>
+      </a:defRPr>
+    </a:lvl7pPr>
+    <a:lvl8pPr marL="3200400" algn="l" defTabSz="914400" rtl="0" eaLnBrk="1" latinLnBrk="0" hangingPunct="1">
+      <a:defRPr sz="1800" kern="1200">
+        <a:solidFill>
+          <a:schemeClr val="tx1"/>
+        </a:solidFill>
+        <a:latin typeface="+mn-lt"/>
+        <a:ea typeface="+mn-ea"/>
+        <a:cs typeface="+mn-cs"/>
+      </a:defRPr>
+    </a:lvl8pPr>
+    <a:lvl9pPr marL="3657600" algn="l" defTabSz="914400" rtl="0" eaLnBrk="1" latinLnBrk="0" hangingPunct="1">
+      <a:defRPr sz="1800" kern="1200">
+        <a:solidFill>
+          <a:schemeClr val="tx1"/>
+        </a:solidFill>
+        <a:latin typeface="+mn-lt"/>
+        <a:ea typeface="+mn-ea"/>
+        <a:cs typeface="+mn-cs"/>
+      </a:defRPr>
+    </a:lvl9pPr>
+  </p:defaultTextStyle>
+  <p:extLst>
+    <p:ext uri="{EFAFB233-063F-42B5-8137-9DF3F51BA10A}">
+      <p15:sldGuideLst xmlns:p15="http://schemas.microsoft.com/office/powerpoint/2012/main"/>
+    </p:ext>
+  </p:extLst>
 </p:presentation>
 </file>
 
 <file path=ppt/slideLayouts/slideLayout1.xml><?xml version="1.0" encoding="utf-8"?>
-<p:sldLayout xmlns:a="http://schemas.openxmlformats.org/drawingml/2006/main" xmlns:p="http://schemas.openxmlformats.org/presentationml/2006/main" xmlns:r="http://schemas.openxmlformats.org/officeDocument/2006/relationships" xmlns:p14="http://schemas.microsoft.com/office/powerpoint/2010/main" xmlns:p15="http://schemas.microsoft.com/office/powerpoint/2012/main" xmlns:mc="http://schemas.openxmlformats.org/markup-compatibility/2006" type="blank" preserve="1">
+<p:sldLayout xmlns:a="http://schemas.openxmlformats.org/drawingml/2006/main" xmlns:r="http://schemas.openxmlformats.org/officeDocument/2006/relationships" xmlns:p="http://schemas.openxmlformats.org/presentationml/2006/main" type="blank" preserve="1">
   <p:cSld name="Blank Slide">
     <p:spTree>
       <p:nvGrpSpPr>
@@ -31,11 +131,14 @@
       </p:grpSpPr>
     </p:spTree>
   </p:cSld>
+  <p:clrMapOvr>
+    <a:masterClrMapping/>
+  </p:clrMapOvr>
 </p:sldLayout>
 </file>
 
 <file path=ppt/slideLayouts/slideLayout10.xml><?xml version="1.0" encoding="utf-8"?>
-<p:sldLayout xmlns:a="http://schemas.openxmlformats.org/drawingml/2006/main" xmlns:p="http://schemas.openxmlformats.org/presentationml/2006/main" xmlns:r="http://schemas.openxmlformats.org/officeDocument/2006/relationships" xmlns:p14="http://schemas.microsoft.com/office/powerpoint/2010/main" xmlns:p15="http://schemas.microsoft.com/office/powerpoint/2012/main" xmlns:mc="http://schemas.openxmlformats.org/markup-compatibility/2006" type="objOverTx" preserve="1">
+<p:sldLayout xmlns:a="http://schemas.openxmlformats.org/drawingml/2006/main" xmlns:r="http://schemas.openxmlformats.org/officeDocument/2006/relationships" xmlns:p="http://schemas.openxmlformats.org/presentationml/2006/main" type="objOverTx" preserve="1">
   <p:cSld name="Title, Content over Content">
     <p:spTree>
       <p:nvGrpSpPr>
@@ -71,12 +174,13 @@
           </a:prstGeom>
         </p:spPr>
         <p:txBody>
-          <a:bodyPr lIns="0" rIns="0" tIns="0" bIns="0" anchor="ctr">
+          <a:bodyPr lIns="0" tIns="0" rIns="0" bIns="0" anchor="ctr">
             <a:noAutofit/>
           </a:bodyPr>
+          <a:lstStyle/>
           <a:p>
             <a:pPr algn="ctr"/>
-            <a:endParaRPr b="0" lang="en-US" sz="4400" spc="-1" strike="noStrike">
+            <a:endParaRPr lang="en-US" sz="4400" b="0" strike="noStrike" spc="-1">
               <a:latin typeface="Arial"/>
             </a:endParaRPr>
           </a:p>
@@ -102,11 +206,12 @@
           </a:prstGeom>
         </p:spPr>
         <p:txBody>
-          <a:bodyPr lIns="0" rIns="0" tIns="0" bIns="0">
+          <a:bodyPr lIns="0" tIns="0" rIns="0" bIns="0">
             <a:normAutofit/>
           </a:bodyPr>
-          <a:p>
-            <a:endParaRPr b="0" lang="en-US" sz="3200" spc="-1" strike="noStrike">
+          <a:lstStyle/>
+          <a:p>
+            <a:endParaRPr lang="en-US" sz="3200" b="0" strike="noStrike" spc="-1">
               <a:latin typeface="Arial"/>
             </a:endParaRPr>
           </a:p>
@@ -132,11 +237,12 @@
           </a:prstGeom>
         </p:spPr>
         <p:txBody>
-          <a:bodyPr lIns="0" rIns="0" tIns="0" bIns="0">
+          <a:bodyPr lIns="0" tIns="0" rIns="0" bIns="0">
             <a:normAutofit/>
           </a:bodyPr>
-          <a:p>
-            <a:endParaRPr b="0" lang="en-US" sz="3200" spc="-1" strike="noStrike">
+          <a:lstStyle/>
+          <a:p>
+            <a:endParaRPr lang="en-US" sz="3200" b="0" strike="noStrike" spc="-1">
               <a:latin typeface="Arial"/>
             </a:endParaRPr>
           </a:p>
@@ -144,11 +250,14 @@
       </p:sp>
     </p:spTree>
   </p:cSld>
+  <p:clrMapOvr>
+    <a:masterClrMapping/>
+  </p:clrMapOvr>
 </p:sldLayout>
 </file>
 
 <file path=ppt/slideLayouts/slideLayout11.xml><?xml version="1.0" encoding="utf-8"?>
-<p:sldLayout xmlns:a="http://schemas.openxmlformats.org/drawingml/2006/main" xmlns:p="http://schemas.openxmlformats.org/presentationml/2006/main" xmlns:r="http://schemas.openxmlformats.org/officeDocument/2006/relationships" xmlns:p14="http://schemas.microsoft.com/office/powerpoint/2010/main" xmlns:p15="http://schemas.microsoft.com/office/powerpoint/2012/main" xmlns:mc="http://schemas.openxmlformats.org/markup-compatibility/2006" type="fourObj" preserve="1">
+<p:sldLayout xmlns:a="http://schemas.openxmlformats.org/drawingml/2006/main" xmlns:r="http://schemas.openxmlformats.org/officeDocument/2006/relationships" xmlns:p="http://schemas.openxmlformats.org/presentationml/2006/main" type="fourObj" preserve="1">
   <p:cSld name="Title, 4 Content">
     <p:spTree>
       <p:nvGrpSpPr>
@@ -184,12 +293,13 @@
           </a:prstGeom>
         </p:spPr>
         <p:txBody>
-          <a:bodyPr lIns="0" rIns="0" tIns="0" bIns="0" anchor="ctr">
+          <a:bodyPr lIns="0" tIns="0" rIns="0" bIns="0" anchor="ctr">
             <a:noAutofit/>
           </a:bodyPr>
+          <a:lstStyle/>
           <a:p>
             <a:pPr algn="ctr"/>
-            <a:endParaRPr b="0" lang="en-US" sz="4400" spc="-1" strike="noStrike">
+            <a:endParaRPr lang="en-US" sz="4400" b="0" strike="noStrike" spc="-1">
               <a:latin typeface="Arial"/>
             </a:endParaRPr>
           </a:p>
@@ -215,11 +325,12 @@
           </a:prstGeom>
         </p:spPr>
         <p:txBody>
-          <a:bodyPr lIns="0" rIns="0" tIns="0" bIns="0">
+          <a:bodyPr lIns="0" tIns="0" rIns="0" bIns="0">
             <a:normAutofit/>
           </a:bodyPr>
-          <a:p>
-            <a:endParaRPr b="0" lang="en-US" sz="3200" spc="-1" strike="noStrike">
+          <a:lstStyle/>
+          <a:p>
+            <a:endParaRPr lang="en-US" sz="3200" b="0" strike="noStrike" spc="-1">
               <a:latin typeface="Arial"/>
             </a:endParaRPr>
           </a:p>
@@ -245,11 +356,12 @@
           </a:prstGeom>
         </p:spPr>
         <p:txBody>
-          <a:bodyPr lIns="0" rIns="0" tIns="0" bIns="0">
+          <a:bodyPr lIns="0" tIns="0" rIns="0" bIns="0">
             <a:normAutofit/>
           </a:bodyPr>
-          <a:p>
-            <a:endParaRPr b="0" lang="en-US" sz="3200" spc="-1" strike="noStrike">
+          <a:lstStyle/>
+          <a:p>
+            <a:endParaRPr lang="en-US" sz="3200" b="0" strike="noStrike" spc="-1">
               <a:latin typeface="Arial"/>
             </a:endParaRPr>
           </a:p>
@@ -275,11 +387,12 @@
           </a:prstGeom>
         </p:spPr>
         <p:txBody>
-          <a:bodyPr lIns="0" rIns="0" tIns="0" bIns="0">
+          <a:bodyPr lIns="0" tIns="0" rIns="0" bIns="0">
             <a:normAutofit/>
           </a:bodyPr>
-          <a:p>
-            <a:endParaRPr b="0" lang="en-US" sz="3200" spc="-1" strike="noStrike">
+          <a:lstStyle/>
+          <a:p>
+            <a:endParaRPr lang="en-US" sz="3200" b="0" strike="noStrike" spc="-1">
               <a:latin typeface="Arial"/>
             </a:endParaRPr>
           </a:p>
@@ -305,11 +418,12 @@
           </a:prstGeom>
         </p:spPr>
         <p:txBody>
-          <a:bodyPr lIns="0" rIns="0" tIns="0" bIns="0">
+          <a:bodyPr lIns="0" tIns="0" rIns="0" bIns="0">
             <a:normAutofit/>
           </a:bodyPr>
-          <a:p>
-            <a:endParaRPr b="0" lang="en-US" sz="3200" spc="-1" strike="noStrike">
+          <a:lstStyle/>
+          <a:p>
+            <a:endParaRPr lang="en-US" sz="3200" b="0" strike="noStrike" spc="-1">
               <a:latin typeface="Arial"/>
             </a:endParaRPr>
           </a:p>
@@ -317,11 +431,14 @@
       </p:sp>
     </p:spTree>
   </p:cSld>
+  <p:clrMapOvr>
+    <a:masterClrMapping/>
+  </p:clrMapOvr>
 </p:sldLayout>
 </file>
 
 <file path=ppt/slideLayouts/slideLayout12.xml><?xml version="1.0" encoding="utf-8"?>
-<p:sldLayout xmlns:a="http://schemas.openxmlformats.org/drawingml/2006/main" xmlns:p="http://schemas.openxmlformats.org/presentationml/2006/main" xmlns:r="http://schemas.openxmlformats.org/officeDocument/2006/relationships" xmlns:p14="http://schemas.microsoft.com/office/powerpoint/2010/main" xmlns:p15="http://schemas.microsoft.com/office/powerpoint/2012/main" xmlns:mc="http://schemas.openxmlformats.org/markup-compatibility/2006" type="blank" preserve="1">
+<p:sldLayout xmlns:a="http://schemas.openxmlformats.org/drawingml/2006/main" xmlns:r="http://schemas.openxmlformats.org/officeDocument/2006/relationships" xmlns:p="http://schemas.openxmlformats.org/presentationml/2006/main" type="blank" preserve="1">
   <p:cSld name="Title, 6 Content">
     <p:spTree>
       <p:nvGrpSpPr>
@@ -357,12 +474,13 @@
           </a:prstGeom>
         </p:spPr>
         <p:txBody>
-          <a:bodyPr lIns="0" rIns="0" tIns="0" bIns="0" anchor="ctr">
+          <a:bodyPr lIns="0" tIns="0" rIns="0" bIns="0" anchor="ctr">
             <a:noAutofit/>
           </a:bodyPr>
+          <a:lstStyle/>
           <a:p>
             <a:pPr algn="ctr"/>
-            <a:endParaRPr b="0" lang="en-US" sz="4400" spc="-1" strike="noStrike">
+            <a:endParaRPr lang="en-US" sz="4400" b="0" strike="noStrike" spc="-1">
               <a:latin typeface="Arial"/>
             </a:endParaRPr>
           </a:p>
@@ -388,11 +506,12 @@
           </a:prstGeom>
         </p:spPr>
         <p:txBody>
-          <a:bodyPr lIns="0" rIns="0" tIns="0" bIns="0">
+          <a:bodyPr lIns="0" tIns="0" rIns="0" bIns="0">
             <a:normAutofit/>
           </a:bodyPr>
-          <a:p>
-            <a:endParaRPr b="0" lang="en-US" sz="3200" spc="-1" strike="noStrike">
+          <a:lstStyle/>
+          <a:p>
+            <a:endParaRPr lang="en-US" sz="3200" b="0" strike="noStrike" spc="-1">
               <a:latin typeface="Arial"/>
             </a:endParaRPr>
           </a:p>
@@ -418,11 +537,12 @@
           </a:prstGeom>
         </p:spPr>
         <p:txBody>
-          <a:bodyPr lIns="0" rIns="0" tIns="0" bIns="0">
+          <a:bodyPr lIns="0" tIns="0" rIns="0" bIns="0">
             <a:normAutofit/>
           </a:bodyPr>
-          <a:p>
-            <a:endParaRPr b="0" lang="en-US" sz="3200" spc="-1" strike="noStrike">
+          <a:lstStyle/>
+          <a:p>
+            <a:endParaRPr lang="en-US" sz="3200" b="0" strike="noStrike" spc="-1">
               <a:latin typeface="Arial"/>
             </a:endParaRPr>
           </a:p>
@@ -448,11 +568,12 @@
           </a:prstGeom>
         </p:spPr>
         <p:txBody>
-          <a:bodyPr lIns="0" rIns="0" tIns="0" bIns="0">
+          <a:bodyPr lIns="0" tIns="0" rIns="0" bIns="0">
             <a:normAutofit/>
           </a:bodyPr>
-          <a:p>
-            <a:endParaRPr b="0" lang="en-US" sz="3200" spc="-1" strike="noStrike">
+          <a:lstStyle/>
+          <a:p>
+            <a:endParaRPr lang="en-US" sz="3200" b="0" strike="noStrike" spc="-1">
               <a:latin typeface="Arial"/>
             </a:endParaRPr>
           </a:p>
@@ -478,11 +599,12 @@
           </a:prstGeom>
         </p:spPr>
         <p:txBody>
-          <a:bodyPr lIns="0" rIns="0" tIns="0" bIns="0">
+          <a:bodyPr lIns="0" tIns="0" rIns="0" bIns="0">
             <a:normAutofit/>
           </a:bodyPr>
-          <a:p>
-            <a:endParaRPr b="0" lang="en-US" sz="3200" spc="-1" strike="noStrike">
+          <a:lstStyle/>
+          <a:p>
+            <a:endParaRPr lang="en-US" sz="3200" b="0" strike="noStrike" spc="-1">
               <a:latin typeface="Arial"/>
             </a:endParaRPr>
           </a:p>
@@ -508,11 +630,12 @@
           </a:prstGeom>
         </p:spPr>
         <p:txBody>
-          <a:bodyPr lIns="0" rIns="0" tIns="0" bIns="0">
+          <a:bodyPr lIns="0" tIns="0" rIns="0" bIns="0">
             <a:normAutofit/>
           </a:bodyPr>
-          <a:p>
-            <a:endParaRPr b="0" lang="en-US" sz="3200" spc="-1" strike="noStrike">
+          <a:lstStyle/>
+          <a:p>
+            <a:endParaRPr lang="en-US" sz="3200" b="0" strike="noStrike" spc="-1">
               <a:latin typeface="Arial"/>
             </a:endParaRPr>
           </a:p>
@@ -538,11 +661,12 @@
           </a:prstGeom>
         </p:spPr>
         <p:txBody>
-          <a:bodyPr lIns="0" rIns="0" tIns="0" bIns="0">
+          <a:bodyPr lIns="0" tIns="0" rIns="0" bIns="0">
             <a:normAutofit/>
           </a:bodyPr>
-          <a:p>
-            <a:endParaRPr b="0" lang="en-US" sz="3200" spc="-1" strike="noStrike">
+          <a:lstStyle/>
+          <a:p>
+            <a:endParaRPr lang="en-US" sz="3200" b="0" strike="noStrike" spc="-1">
               <a:latin typeface="Arial"/>
             </a:endParaRPr>
           </a:p>
@@ -550,11 +674,14 @@
       </p:sp>
     </p:spTree>
   </p:cSld>
+  <p:clrMapOvr>
+    <a:masterClrMapping/>
+  </p:clrMapOvr>
 </p:sldLayout>
 </file>
 
 <file path=ppt/slideLayouts/slideLayout2.xml><?xml version="1.0" encoding="utf-8"?>
-<p:sldLayout xmlns:a="http://schemas.openxmlformats.org/drawingml/2006/main" xmlns:p="http://schemas.openxmlformats.org/presentationml/2006/main" xmlns:r="http://schemas.openxmlformats.org/officeDocument/2006/relationships" xmlns:p14="http://schemas.microsoft.com/office/powerpoint/2010/main" xmlns:p15="http://schemas.microsoft.com/office/powerpoint/2012/main" xmlns:mc="http://schemas.openxmlformats.org/markup-compatibility/2006" type="tx" preserve="1">
+<p:sldLayout xmlns:a="http://schemas.openxmlformats.org/drawingml/2006/main" xmlns:r="http://schemas.openxmlformats.org/officeDocument/2006/relationships" xmlns:p="http://schemas.openxmlformats.org/presentationml/2006/main" type="tx" preserve="1">
   <p:cSld name="Title Slide">
     <p:spTree>
       <p:nvGrpSpPr>
@@ -590,12 +717,13 @@
           </a:prstGeom>
         </p:spPr>
         <p:txBody>
-          <a:bodyPr lIns="0" rIns="0" tIns="0" bIns="0" anchor="ctr">
+          <a:bodyPr lIns="0" tIns="0" rIns="0" bIns="0" anchor="ctr">
             <a:noAutofit/>
           </a:bodyPr>
+          <a:lstStyle/>
           <a:p>
             <a:pPr algn="ctr"/>
-            <a:endParaRPr b="0" lang="en-US" sz="4400" spc="-1" strike="noStrike">
+            <a:endParaRPr lang="en-US" sz="4400" b="0" strike="noStrike" spc="-1">
               <a:latin typeface="Arial"/>
             </a:endParaRPr>
           </a:p>
@@ -621,12 +749,13 @@
           </a:prstGeom>
         </p:spPr>
         <p:txBody>
-          <a:bodyPr lIns="0" rIns="0" tIns="0" bIns="0" anchor="ctr">
+          <a:bodyPr lIns="0" tIns="0" rIns="0" bIns="0" anchor="ctr">
             <a:noAutofit/>
           </a:bodyPr>
+          <a:lstStyle/>
           <a:p>
             <a:pPr algn="ctr"/>
-            <a:endParaRPr b="0" lang="en-US" sz="3200" spc="-1" strike="noStrike">
+            <a:endParaRPr lang="en-US" sz="3200" b="0" strike="noStrike" spc="-1">
               <a:latin typeface="Arial"/>
             </a:endParaRPr>
           </a:p>
@@ -634,11 +763,14 @@
       </p:sp>
     </p:spTree>
   </p:cSld>
+  <p:clrMapOvr>
+    <a:masterClrMapping/>
+  </p:clrMapOvr>
 </p:sldLayout>
 </file>
 
 <file path=ppt/slideLayouts/slideLayout3.xml><?xml version="1.0" encoding="utf-8"?>
-<p:sldLayout xmlns:a="http://schemas.openxmlformats.org/drawingml/2006/main" xmlns:p="http://schemas.openxmlformats.org/presentationml/2006/main" xmlns:r="http://schemas.openxmlformats.org/officeDocument/2006/relationships" xmlns:p14="http://schemas.microsoft.com/office/powerpoint/2010/main" xmlns:p15="http://schemas.microsoft.com/office/powerpoint/2012/main" xmlns:mc="http://schemas.openxmlformats.org/markup-compatibility/2006" type="obj" preserve="1">
+<p:sldLayout xmlns:a="http://schemas.openxmlformats.org/drawingml/2006/main" xmlns:r="http://schemas.openxmlformats.org/officeDocument/2006/relationships" xmlns:p="http://schemas.openxmlformats.org/presentationml/2006/main" type="obj" preserve="1">
   <p:cSld name="Title, Content">
     <p:spTree>
       <p:nvGrpSpPr>
@@ -674,12 +806,13 @@
           </a:prstGeom>
         </p:spPr>
         <p:txBody>
-          <a:bodyPr lIns="0" rIns="0" tIns="0" bIns="0" anchor="ctr">
+          <a:bodyPr lIns="0" tIns="0" rIns="0" bIns="0" anchor="ctr">
             <a:noAutofit/>
           </a:bodyPr>
+          <a:lstStyle/>
           <a:p>
             <a:pPr algn="ctr"/>
-            <a:endParaRPr b="0" lang="en-US" sz="4400" spc="-1" strike="noStrike">
+            <a:endParaRPr lang="en-US" sz="4400" b="0" strike="noStrike" spc="-1">
               <a:latin typeface="Arial"/>
             </a:endParaRPr>
           </a:p>
@@ -705,11 +838,12 @@
           </a:prstGeom>
         </p:spPr>
         <p:txBody>
-          <a:bodyPr lIns="0" rIns="0" tIns="0" bIns="0">
+          <a:bodyPr lIns="0" tIns="0" rIns="0" bIns="0">
             <a:normAutofit/>
           </a:bodyPr>
-          <a:p>
-            <a:endParaRPr b="0" lang="en-US" sz="3200" spc="-1" strike="noStrike">
+          <a:lstStyle/>
+          <a:p>
+            <a:endParaRPr lang="en-US" sz="3200" b="0" strike="noStrike" spc="-1">
               <a:latin typeface="Arial"/>
             </a:endParaRPr>
           </a:p>
@@ -717,11 +851,14 @@
       </p:sp>
     </p:spTree>
   </p:cSld>
+  <p:clrMapOvr>
+    <a:masterClrMapping/>
+  </p:clrMapOvr>
 </p:sldLayout>
 </file>
 
 <file path=ppt/slideLayouts/slideLayout4.xml><?xml version="1.0" encoding="utf-8"?>
-<p:sldLayout xmlns:a="http://schemas.openxmlformats.org/drawingml/2006/main" xmlns:p="http://schemas.openxmlformats.org/presentationml/2006/main" xmlns:r="http://schemas.openxmlformats.org/officeDocument/2006/relationships" xmlns:p14="http://schemas.microsoft.com/office/powerpoint/2010/main" xmlns:p15="http://schemas.microsoft.com/office/powerpoint/2012/main" xmlns:mc="http://schemas.openxmlformats.org/markup-compatibility/2006" type="twoObj" preserve="1">
+<p:sldLayout xmlns:a="http://schemas.openxmlformats.org/drawingml/2006/main" xmlns:r="http://schemas.openxmlformats.org/officeDocument/2006/relationships" xmlns:p="http://schemas.openxmlformats.org/presentationml/2006/main" type="twoObj" preserve="1">
   <p:cSld name="Title, 2 Content">
     <p:spTree>
       <p:nvGrpSpPr>
@@ -757,12 +894,13 @@
           </a:prstGeom>
         </p:spPr>
         <p:txBody>
-          <a:bodyPr lIns="0" rIns="0" tIns="0" bIns="0" anchor="ctr">
+          <a:bodyPr lIns="0" tIns="0" rIns="0" bIns="0" anchor="ctr">
             <a:noAutofit/>
           </a:bodyPr>
+          <a:lstStyle/>
           <a:p>
             <a:pPr algn="ctr"/>
-            <a:endParaRPr b="0" lang="en-US" sz="4400" spc="-1" strike="noStrike">
+            <a:endParaRPr lang="en-US" sz="4400" b="0" strike="noStrike" spc="-1">
               <a:latin typeface="Arial"/>
             </a:endParaRPr>
           </a:p>
@@ -788,11 +926,12 @@
           </a:prstGeom>
         </p:spPr>
         <p:txBody>
-          <a:bodyPr lIns="0" rIns="0" tIns="0" bIns="0">
+          <a:bodyPr lIns="0" tIns="0" rIns="0" bIns="0">
             <a:normAutofit/>
           </a:bodyPr>
-          <a:p>
-            <a:endParaRPr b="0" lang="en-US" sz="3200" spc="-1" strike="noStrike">
+          <a:lstStyle/>
+          <a:p>
+            <a:endParaRPr lang="en-US" sz="3200" b="0" strike="noStrike" spc="-1">
               <a:latin typeface="Arial"/>
             </a:endParaRPr>
           </a:p>
@@ -818,11 +957,12 @@
           </a:prstGeom>
         </p:spPr>
         <p:txBody>
-          <a:bodyPr lIns="0" rIns="0" tIns="0" bIns="0">
+          <a:bodyPr lIns="0" tIns="0" rIns="0" bIns="0">
             <a:normAutofit/>
           </a:bodyPr>
-          <a:p>
-            <a:endParaRPr b="0" lang="en-US" sz="3200" spc="-1" strike="noStrike">
+          <a:lstStyle/>
+          <a:p>
+            <a:endParaRPr lang="en-US" sz="3200" b="0" strike="noStrike" spc="-1">
               <a:latin typeface="Arial"/>
             </a:endParaRPr>
           </a:p>
@@ -830,11 +970,14 @@
       </p:sp>
     </p:spTree>
   </p:cSld>
+  <p:clrMapOvr>
+    <a:masterClrMapping/>
+  </p:clrMapOvr>
 </p:sldLayout>
 </file>
 
 <file path=ppt/slideLayouts/slideLayout5.xml><?xml version="1.0" encoding="utf-8"?>
-<p:sldLayout xmlns:a="http://schemas.openxmlformats.org/drawingml/2006/main" xmlns:p="http://schemas.openxmlformats.org/presentationml/2006/main" xmlns:r="http://schemas.openxmlformats.org/officeDocument/2006/relationships" xmlns:p14="http://schemas.microsoft.com/office/powerpoint/2010/main" xmlns:p15="http://schemas.microsoft.com/office/powerpoint/2012/main" xmlns:mc="http://schemas.openxmlformats.org/markup-compatibility/2006" type="titleOnly" preserve="1">
+<p:sldLayout xmlns:a="http://schemas.openxmlformats.org/drawingml/2006/main" xmlns:r="http://schemas.openxmlformats.org/officeDocument/2006/relationships" xmlns:p="http://schemas.openxmlformats.org/presentationml/2006/main" type="titleOnly" preserve="1">
   <p:cSld name="Title Only">
     <p:spTree>
       <p:nvGrpSpPr>
@@ -870,12 +1013,13 @@
           </a:prstGeom>
         </p:spPr>
         <p:txBody>
-          <a:bodyPr lIns="0" rIns="0" tIns="0" bIns="0" anchor="ctr">
+          <a:bodyPr lIns="0" tIns="0" rIns="0" bIns="0" anchor="ctr">
             <a:noAutofit/>
           </a:bodyPr>
+          <a:lstStyle/>
           <a:p>
             <a:pPr algn="ctr"/>
-            <a:endParaRPr b="0" lang="en-US" sz="4400" spc="-1" strike="noStrike">
+            <a:endParaRPr lang="en-US" sz="4400" b="0" strike="noStrike" spc="-1">
               <a:latin typeface="Arial"/>
             </a:endParaRPr>
           </a:p>
@@ -883,11 +1027,14 @@
       </p:sp>
     </p:spTree>
   </p:cSld>
+  <p:clrMapOvr>
+    <a:masterClrMapping/>
+  </p:clrMapOvr>
 </p:sldLayout>
 </file>
 
 <file path=ppt/slideLayouts/slideLayout6.xml><?xml version="1.0" encoding="utf-8"?>
-<p:sldLayout xmlns:a="http://schemas.openxmlformats.org/drawingml/2006/main" xmlns:p="http://schemas.openxmlformats.org/presentationml/2006/main" xmlns:r="http://schemas.openxmlformats.org/officeDocument/2006/relationships" xmlns:p14="http://schemas.microsoft.com/office/powerpoint/2010/main" xmlns:p15="http://schemas.microsoft.com/office/powerpoint/2012/main" xmlns:mc="http://schemas.openxmlformats.org/markup-compatibility/2006" type="objOnly" preserve="1">
+<p:sldLayout xmlns:a="http://schemas.openxmlformats.org/drawingml/2006/main" xmlns:r="http://schemas.openxmlformats.org/officeDocument/2006/relationships" xmlns:p="http://schemas.openxmlformats.org/presentationml/2006/main" type="objOnly" preserve="1">
   <p:cSld name="Centered Text">
     <p:spTree>
       <p:nvGrpSpPr>
@@ -923,12 +1070,13 @@
           </a:prstGeom>
         </p:spPr>
         <p:txBody>
-          <a:bodyPr lIns="0" rIns="0" tIns="0" bIns="0" anchor="ctr">
+          <a:bodyPr lIns="0" tIns="0" rIns="0" bIns="0" anchor="ctr">
             <a:noAutofit/>
           </a:bodyPr>
+          <a:lstStyle/>
           <a:p>
             <a:pPr algn="ctr"/>
-            <a:endParaRPr b="0" lang="en-US" sz="3200" spc="-1" strike="noStrike">
+            <a:endParaRPr lang="en-US" sz="3200" b="0" strike="noStrike" spc="-1">
               <a:latin typeface="Arial"/>
             </a:endParaRPr>
           </a:p>
@@ -936,11 +1084,14 @@
       </p:sp>
     </p:spTree>
   </p:cSld>
+  <p:clrMapOvr>
+    <a:masterClrMapping/>
+  </p:clrMapOvr>
 </p:sldLayout>
 </file>
 
 <file path=ppt/slideLayouts/slideLayout7.xml><?xml version="1.0" encoding="utf-8"?>
-<p:sldLayout xmlns:a="http://schemas.openxmlformats.org/drawingml/2006/main" xmlns:p="http://schemas.openxmlformats.org/presentationml/2006/main" xmlns:r="http://schemas.openxmlformats.org/officeDocument/2006/relationships" xmlns:p14="http://schemas.microsoft.com/office/powerpoint/2010/main" xmlns:p15="http://schemas.microsoft.com/office/powerpoint/2012/main" xmlns:mc="http://schemas.openxmlformats.org/markup-compatibility/2006" type="twoObjAndObj" preserve="1">
+<p:sldLayout xmlns:a="http://schemas.openxmlformats.org/drawingml/2006/main" xmlns:r="http://schemas.openxmlformats.org/officeDocument/2006/relationships" xmlns:p="http://schemas.openxmlformats.org/presentationml/2006/main" type="twoObjAndObj" preserve="1">
   <p:cSld name="Title, 2 Content and Content">
     <p:spTree>
       <p:nvGrpSpPr>
@@ -976,12 +1127,13 @@
           </a:prstGeom>
         </p:spPr>
         <p:txBody>
-          <a:bodyPr lIns="0" rIns="0" tIns="0" bIns="0" anchor="ctr">
+          <a:bodyPr lIns="0" tIns="0" rIns="0" bIns="0" anchor="ctr">
             <a:noAutofit/>
           </a:bodyPr>
+          <a:lstStyle/>
           <a:p>
             <a:pPr algn="ctr"/>
-            <a:endParaRPr b="0" lang="en-US" sz="4400" spc="-1" strike="noStrike">
+            <a:endParaRPr lang="en-US" sz="4400" b="0" strike="noStrike" spc="-1">
               <a:latin typeface="Arial"/>
             </a:endParaRPr>
           </a:p>
@@ -1007,11 +1159,12 @@
           </a:prstGeom>
         </p:spPr>
         <p:txBody>
-          <a:bodyPr lIns="0" rIns="0" tIns="0" bIns="0">
+          <a:bodyPr lIns="0" tIns="0" rIns="0" bIns="0">
             <a:normAutofit/>
           </a:bodyPr>
-          <a:p>
-            <a:endParaRPr b="0" lang="en-US" sz="3200" spc="-1" strike="noStrike">
+          <a:lstStyle/>
+          <a:p>
+            <a:endParaRPr lang="en-US" sz="3200" b="0" strike="noStrike" spc="-1">
               <a:latin typeface="Arial"/>
             </a:endParaRPr>
           </a:p>
@@ -1037,11 +1190,12 @@
           </a:prstGeom>
         </p:spPr>
         <p:txBody>
-          <a:bodyPr lIns="0" rIns="0" tIns="0" bIns="0">
+          <a:bodyPr lIns="0" tIns="0" rIns="0" bIns="0">
             <a:normAutofit/>
           </a:bodyPr>
-          <a:p>
-            <a:endParaRPr b="0" lang="en-US" sz="3200" spc="-1" strike="noStrike">
+          <a:lstStyle/>
+          <a:p>
+            <a:endParaRPr lang="en-US" sz="3200" b="0" strike="noStrike" spc="-1">
               <a:latin typeface="Arial"/>
             </a:endParaRPr>
           </a:p>
@@ -1067,11 +1221,12 @@
           </a:prstGeom>
         </p:spPr>
         <p:txBody>
-          <a:bodyPr lIns="0" rIns="0" tIns="0" bIns="0">
+          <a:bodyPr lIns="0" tIns="0" rIns="0" bIns="0">
             <a:normAutofit/>
           </a:bodyPr>
-          <a:p>
-            <a:endParaRPr b="0" lang="en-US" sz="3200" spc="-1" strike="noStrike">
+          <a:lstStyle/>
+          <a:p>
+            <a:endParaRPr lang="en-US" sz="3200" b="0" strike="noStrike" spc="-1">
               <a:latin typeface="Arial"/>
             </a:endParaRPr>
           </a:p>
@@ -1079,11 +1234,14 @@
       </p:sp>
     </p:spTree>
   </p:cSld>
+  <p:clrMapOvr>
+    <a:masterClrMapping/>
+  </p:clrMapOvr>
 </p:sldLayout>
 </file>
 
 <file path=ppt/slideLayouts/slideLayout8.xml><?xml version="1.0" encoding="utf-8"?>
-<p:sldLayout xmlns:a="http://schemas.openxmlformats.org/drawingml/2006/main" xmlns:p="http://schemas.openxmlformats.org/presentationml/2006/main" xmlns:r="http://schemas.openxmlformats.org/officeDocument/2006/relationships" xmlns:p14="http://schemas.microsoft.com/office/powerpoint/2010/main" xmlns:p15="http://schemas.microsoft.com/office/powerpoint/2012/main" xmlns:mc="http://schemas.openxmlformats.org/markup-compatibility/2006" type="objAndTwoObj" preserve="1">
+<p:sldLayout xmlns:a="http://schemas.openxmlformats.org/drawingml/2006/main" xmlns:r="http://schemas.openxmlformats.org/officeDocument/2006/relationships" xmlns:p="http://schemas.openxmlformats.org/presentationml/2006/main" type="objAndTwoObj" preserve="1">
   <p:cSld name="Title Content and 2 Content">
     <p:spTree>
       <p:nvGrpSpPr>
@@ -1119,12 +1277,13 @@
           </a:prstGeom>
         </p:spPr>
         <p:txBody>
-          <a:bodyPr lIns="0" rIns="0" tIns="0" bIns="0" anchor="ctr">
+          <a:bodyPr lIns="0" tIns="0" rIns="0" bIns="0" anchor="ctr">
             <a:noAutofit/>
           </a:bodyPr>
+          <a:lstStyle/>
           <a:p>
             <a:pPr algn="ctr"/>
-            <a:endParaRPr b="0" lang="en-US" sz="4400" spc="-1" strike="noStrike">
+            <a:endParaRPr lang="en-US" sz="4400" b="0" strike="noStrike" spc="-1">
               <a:latin typeface="Arial"/>
             </a:endParaRPr>
           </a:p>
@@ -1150,11 +1309,12 @@
           </a:prstGeom>
         </p:spPr>
         <p:txBody>
-          <a:bodyPr lIns="0" rIns="0" tIns="0" bIns="0">
+          <a:bodyPr lIns="0" tIns="0" rIns="0" bIns="0">
             <a:normAutofit/>
           </a:bodyPr>
-          <a:p>
-            <a:endParaRPr b="0" lang="en-US" sz="3200" spc="-1" strike="noStrike">
+          <a:lstStyle/>
+          <a:p>
+            <a:endParaRPr lang="en-US" sz="3200" b="0" strike="noStrike" spc="-1">
               <a:latin typeface="Arial"/>
             </a:endParaRPr>
           </a:p>
@@ -1180,11 +1340,12 @@
           </a:prstGeom>
         </p:spPr>
         <p:txBody>
-          <a:bodyPr lIns="0" rIns="0" tIns="0" bIns="0">
+          <a:bodyPr lIns="0" tIns="0" rIns="0" bIns="0">
             <a:normAutofit/>
           </a:bodyPr>
-          <a:p>
-            <a:endParaRPr b="0" lang="en-US" sz="3200" spc="-1" strike="noStrike">
+          <a:lstStyle/>
+          <a:p>
+            <a:endParaRPr lang="en-US" sz="3200" b="0" strike="noStrike" spc="-1">
               <a:latin typeface="Arial"/>
             </a:endParaRPr>
           </a:p>
@@ -1210,11 +1371,12 @@
           </a:prstGeom>
         </p:spPr>
         <p:txBody>
-          <a:bodyPr lIns="0" rIns="0" tIns="0" bIns="0">
+          <a:bodyPr lIns="0" tIns="0" rIns="0" bIns="0">
             <a:normAutofit/>
           </a:bodyPr>
-          <a:p>
-            <a:endParaRPr b="0" lang="en-US" sz="3200" spc="-1" strike="noStrike">
+          <a:lstStyle/>
+          <a:p>
+            <a:endParaRPr lang="en-US" sz="3200" b="0" strike="noStrike" spc="-1">
               <a:latin typeface="Arial"/>
             </a:endParaRPr>
           </a:p>
@@ -1222,11 +1384,14 @@
       </p:sp>
     </p:spTree>
   </p:cSld>
+  <p:clrMapOvr>
+    <a:masterClrMapping/>
+  </p:clrMapOvr>
 </p:sldLayout>
 </file>
 
 <file path=ppt/slideLayouts/slideLayout9.xml><?xml version="1.0" encoding="utf-8"?>
-<p:sldLayout xmlns:a="http://schemas.openxmlformats.org/drawingml/2006/main" xmlns:p="http://schemas.openxmlformats.org/presentationml/2006/main" xmlns:r="http://schemas.openxmlformats.org/officeDocument/2006/relationships" xmlns:p14="http://schemas.microsoft.com/office/powerpoint/2010/main" xmlns:p15="http://schemas.microsoft.com/office/powerpoint/2012/main" xmlns:mc="http://schemas.openxmlformats.org/markup-compatibility/2006" type="twoObjOverTx" preserve="1">
+<p:sldLayout xmlns:a="http://schemas.openxmlformats.org/drawingml/2006/main" xmlns:r="http://schemas.openxmlformats.org/officeDocument/2006/relationships" xmlns:p="http://schemas.openxmlformats.org/presentationml/2006/main" type="twoObjOverTx" preserve="1">
   <p:cSld name="Title, 2 Content over Content">
     <p:spTree>
       <p:nvGrpSpPr>
@@ -1262,12 +1427,13 @@
           </a:prstGeom>
         </p:spPr>
         <p:txBody>
-          <a:bodyPr lIns="0" rIns="0" tIns="0" bIns="0" anchor="ctr">
+          <a:bodyPr lIns="0" tIns="0" rIns="0" bIns="0" anchor="ctr">
             <a:noAutofit/>
           </a:bodyPr>
+          <a:lstStyle/>
           <a:p>
             <a:pPr algn="ctr"/>
-            <a:endParaRPr b="0" lang="en-US" sz="4400" spc="-1" strike="noStrike">
+            <a:endParaRPr lang="en-US" sz="4400" b="0" strike="noStrike" spc="-1">
               <a:latin typeface="Arial"/>
             </a:endParaRPr>
           </a:p>
@@ -1293,11 +1459,12 @@
           </a:prstGeom>
         </p:spPr>
         <p:txBody>
-          <a:bodyPr lIns="0" rIns="0" tIns="0" bIns="0">
+          <a:bodyPr lIns="0" tIns="0" rIns="0" bIns="0">
             <a:normAutofit/>
           </a:bodyPr>
-          <a:p>
-            <a:endParaRPr b="0" lang="en-US" sz="3200" spc="-1" strike="noStrike">
+          <a:lstStyle/>
+          <a:p>
+            <a:endParaRPr lang="en-US" sz="3200" b="0" strike="noStrike" spc="-1">
               <a:latin typeface="Arial"/>
             </a:endParaRPr>
           </a:p>
@@ -1323,11 +1490,12 @@
           </a:prstGeom>
         </p:spPr>
         <p:txBody>
-          <a:bodyPr lIns="0" rIns="0" tIns="0" bIns="0">
+          <a:bodyPr lIns="0" tIns="0" rIns="0" bIns="0">
             <a:normAutofit/>
           </a:bodyPr>
-          <a:p>
-            <a:endParaRPr b="0" lang="en-US" sz="3200" spc="-1" strike="noStrike">
+          <a:lstStyle/>
+          <a:p>
+            <a:endParaRPr lang="en-US" sz="3200" b="0" strike="noStrike" spc="-1">
               <a:latin typeface="Arial"/>
             </a:endParaRPr>
           </a:p>
@@ -1353,11 +1521,12 @@
           </a:prstGeom>
         </p:spPr>
         <p:txBody>
-          <a:bodyPr lIns="0" rIns="0" tIns="0" bIns="0">
+          <a:bodyPr lIns="0" tIns="0" rIns="0" bIns="0">
             <a:normAutofit/>
           </a:bodyPr>
-          <a:p>
-            <a:endParaRPr b="0" lang="en-US" sz="3200" spc="-1" strike="noStrike">
+          <a:lstStyle/>
+          <a:p>
+            <a:endParaRPr lang="en-US" sz="3200" b="0" strike="noStrike" spc="-1">
               <a:latin typeface="Arial"/>
             </a:endParaRPr>
           </a:p>
@@ -1365,11 +1534,529 @@
       </p:sp>
     </p:spTree>
   </p:cSld>
+  <p:clrMapOvr>
+    <a:masterClrMapping/>
+  </p:clrMapOvr>
 </p:sldLayout>
 </file>
 
 <file path=ppt/slideMasters/slideMaster1.xml><?xml version="1.0" encoding="utf-8"?>
-<p:sldMaster xmlns:a="http://schemas.openxmlformats.org/drawingml/2006/main" xmlns:p="http://schemas.openxmlformats.org/presentationml/2006/main" xmlns:r="http://schemas.openxmlformats.org/officeDocument/2006/relationships" xmlns:p14="http://schemas.microsoft.com/office/powerpoint/2010/main" xmlns:p15="http://schemas.microsoft.com/office/powerpoint/2012/main" xmlns:mc="http://schemas.openxmlformats.org/markup-compatibility/2006">
+<p:sldMaster xmlns:a="http://schemas.openxmlformats.org/drawingml/2006/main" xmlns:r="http://schemas.openxmlformats.org/officeDocument/2006/relationships" xmlns:p="http://schemas.openxmlformats.org/presentationml/2006/main">
+  <p:cSld>
+    <p:bg>
+      <p:bgRef idx="1001">
+        <a:schemeClr val="bg1"/>
+      </p:bgRef>
+    </p:bg>
+    <p:spTree>
+      <p:nvGrpSpPr>
+        <p:cNvPr id="1" name=""/>
+        <p:cNvGrpSpPr/>
+        <p:nvPr/>
+      </p:nvGrpSpPr>
+      <p:grpSpPr>
+        <a:xfrm>
+          <a:off x="0" y="0"/>
+          <a:ext cx="0" cy="0"/>
+          <a:chOff x="0" y="0"/>
+          <a:chExt cx="0" cy="0"/>
+        </a:xfrm>
+      </p:grpSpPr>
+      <p:sp>
+        <p:nvSpPr>
+          <p:cNvPr id="2" name="PlaceHolder 1"/>
+          <p:cNvSpPr>
+            <a:spLocks noGrp="1"/>
+          </p:cNvSpPr>
+          <p:nvPr>
+            <p:ph type="title"/>
+          </p:nvPr>
+        </p:nvSpPr>
+        <p:spPr>
+          <a:xfrm>
+            <a:off x="504000" y="226080"/>
+            <a:ext cx="9071280" cy="946080"/>
+          </a:xfrm>
+          <a:prstGeom prst="rect">
+            <a:avLst/>
+          </a:prstGeom>
+        </p:spPr>
+        <p:txBody>
+          <a:bodyPr lIns="0" tIns="0" rIns="0" bIns="0" anchor="ctr">
+            <a:noAutofit/>
+          </a:bodyPr>
+          <a:lstStyle/>
+          <a:p>
+            <a:r>
+              <a:rPr lang="en-US" sz="1800" b="0" strike="noStrike" spc="-1">
+                <a:latin typeface="Arial"/>
+              </a:rPr>
+              <a:t>Click to edit the title text format</a:t>
+            </a:r>
+          </a:p>
+        </p:txBody>
+      </p:sp>
+      <p:sp>
+        <p:nvSpPr>
+          <p:cNvPr id="3" name="PlaceHolder 2"/>
+          <p:cNvSpPr>
+            <a:spLocks noGrp="1"/>
+          </p:cNvSpPr>
+          <p:nvPr>
+            <p:ph type="body"/>
+          </p:nvPr>
+        </p:nvSpPr>
+        <p:spPr>
+          <a:xfrm>
+            <a:off x="504000" y="1326600"/>
+            <a:ext cx="9072000" cy="3288600"/>
+          </a:xfrm>
+          <a:prstGeom prst="rect">
+            <a:avLst/>
+          </a:prstGeom>
+        </p:spPr>
+        <p:txBody>
+          <a:bodyPr lIns="0" tIns="0" rIns="0" bIns="0">
+            <a:normAutofit/>
+          </a:bodyPr>
+          <a:lstStyle/>
+          <a:p>
+            <a:pPr marL="432000" indent="-324000">
+              <a:spcBef>
+                <a:spcPts val="1417"/>
+              </a:spcBef>
+              <a:buClr>
+                <a:srgbClr val="000000"/>
+              </a:buClr>
+              <a:buSzPct val="45000"/>
+              <a:buFont typeface="Wingdings" charset="2"/>
+              <a:buChar char=""/>
+            </a:pPr>
+            <a:r>
+              <a:rPr lang="en-US" sz="3200" b="0" strike="noStrike" spc="-1">
+                <a:latin typeface="Arial"/>
+              </a:rPr>
+              <a:t>Click to edit the outline text format</a:t>
+            </a:r>
+          </a:p>
+          <a:p>
+            <a:pPr marL="864000" lvl="1" indent="-324000">
+              <a:spcBef>
+                <a:spcPts val="1134"/>
+              </a:spcBef>
+              <a:buClr>
+                <a:srgbClr val="000000"/>
+              </a:buClr>
+              <a:buSzPct val="75000"/>
+              <a:buFont typeface="Symbol" charset="2"/>
+              <a:buChar char=""/>
+            </a:pPr>
+            <a:r>
+              <a:rPr lang="en-US" sz="2800" b="0" strike="noStrike" spc="-1">
+                <a:latin typeface="Arial"/>
+              </a:rPr>
+              <a:t>Second Outline Level</a:t>
+            </a:r>
+          </a:p>
+          <a:p>
+            <a:pPr marL="1296000" lvl="2" indent="-288000">
+              <a:spcBef>
+                <a:spcPts val="850"/>
+              </a:spcBef>
+              <a:buClr>
+                <a:srgbClr val="000000"/>
+              </a:buClr>
+              <a:buSzPct val="45000"/>
+              <a:buFont typeface="Wingdings" charset="2"/>
+              <a:buChar char=""/>
+            </a:pPr>
+            <a:r>
+              <a:rPr lang="en-US" sz="2400" b="0" strike="noStrike" spc="-1">
+                <a:latin typeface="Arial"/>
+              </a:rPr>
+              <a:t>Third Outline Level</a:t>
+            </a:r>
+          </a:p>
+          <a:p>
+            <a:pPr marL="1728000" lvl="3" indent="-216000">
+              <a:spcBef>
+                <a:spcPts val="567"/>
+              </a:spcBef>
+              <a:buClr>
+                <a:srgbClr val="000000"/>
+              </a:buClr>
+              <a:buSzPct val="75000"/>
+              <a:buFont typeface="Symbol" charset="2"/>
+              <a:buChar char=""/>
+            </a:pPr>
+            <a:r>
+              <a:rPr lang="en-US" sz="2000" b="0" strike="noStrike" spc="-1">
+                <a:latin typeface="Arial"/>
+              </a:rPr>
+              <a:t>Fourth Outline Level</a:t>
+            </a:r>
+          </a:p>
+          <a:p>
+            <a:pPr marL="2160000" lvl="4" indent="-216000">
+              <a:spcBef>
+                <a:spcPts val="283"/>
+              </a:spcBef>
+              <a:buClr>
+                <a:srgbClr val="000000"/>
+              </a:buClr>
+              <a:buSzPct val="45000"/>
+              <a:buFont typeface="Wingdings" charset="2"/>
+              <a:buChar char=""/>
+            </a:pPr>
+            <a:r>
+              <a:rPr lang="en-US" sz="2000" b="0" strike="noStrike" spc="-1">
+                <a:latin typeface="Arial"/>
+              </a:rPr>
+              <a:t>Fifth Outline Level</a:t>
+            </a:r>
+          </a:p>
+          <a:p>
+            <a:pPr marL="2592000" lvl="5" indent="-216000">
+              <a:spcBef>
+                <a:spcPts val="283"/>
+              </a:spcBef>
+              <a:buClr>
+                <a:srgbClr val="000000"/>
+              </a:buClr>
+              <a:buSzPct val="45000"/>
+              <a:buFont typeface="Wingdings" charset="2"/>
+              <a:buChar char=""/>
+            </a:pPr>
+            <a:r>
+              <a:rPr lang="en-US" sz="2000" b="0" strike="noStrike" spc="-1">
+                <a:latin typeface="Arial"/>
+              </a:rPr>
+              <a:t>Sixth Outline Level</a:t>
+            </a:r>
+          </a:p>
+          <a:p>
+            <a:pPr marL="3024000" lvl="6" indent="-216000">
+              <a:spcBef>
+                <a:spcPts val="283"/>
+              </a:spcBef>
+              <a:buClr>
+                <a:srgbClr val="000000"/>
+              </a:buClr>
+              <a:buSzPct val="45000"/>
+              <a:buFont typeface="Wingdings" charset="2"/>
+              <a:buChar char=""/>
+            </a:pPr>
+            <a:r>
+              <a:rPr lang="en-US" sz="2000" b="0" strike="noStrike" spc="-1">
+                <a:latin typeface="Arial"/>
+              </a:rPr>
+              <a:t>Seventh Outline Level</a:t>
+            </a:r>
+          </a:p>
+        </p:txBody>
+      </p:sp>
+    </p:spTree>
+  </p:cSld>
+  <p:clrMap bg1="lt1" tx1="dk1" bg2="lt2" tx2="dk2" accent1="accent1" accent2="accent2" accent3="accent3" accent4="accent4" accent5="accent5" accent6="accent6" hlink="hlink" folHlink="folHlink"/>
+  <p:sldLayoutIdLst>
+    <p:sldLayoutId id="2147483649" r:id="rId1"/>
+    <p:sldLayoutId id="2147483650" r:id="rId2"/>
+    <p:sldLayoutId id="2147483651" r:id="rId3"/>
+    <p:sldLayoutId id="2147483652" r:id="rId4"/>
+    <p:sldLayoutId id="2147483653" r:id="rId5"/>
+    <p:sldLayoutId id="2147483654" r:id="rId6"/>
+    <p:sldLayoutId id="2147483655" r:id="rId7"/>
+    <p:sldLayoutId id="2147483656" r:id="rId8"/>
+    <p:sldLayoutId id="2147483657" r:id="rId9"/>
+    <p:sldLayoutId id="2147483658" r:id="rId10"/>
+    <p:sldLayoutId id="2147483659" r:id="rId11"/>
+    <p:sldLayoutId id="2147483660" r:id="rId12"/>
+  </p:sldLayoutIdLst>
+  <p:txStyles>
+    <p:titleStyle>
+      <a:lvl1pPr algn="l" defTabSz="914400" rtl="0" eaLnBrk="1" latinLnBrk="0" hangingPunct="1">
+        <a:lnSpc>
+          <a:spcPct val="90000"/>
+        </a:lnSpc>
+        <a:spcBef>
+          <a:spcPct val="0"/>
+        </a:spcBef>
+        <a:buNone/>
+        <a:defRPr sz="4400" kern="1200">
+          <a:solidFill>
+            <a:schemeClr val="tx1"/>
+          </a:solidFill>
+          <a:latin typeface="+mj-lt"/>
+          <a:ea typeface="+mj-ea"/>
+          <a:cs typeface="+mj-cs"/>
+        </a:defRPr>
+      </a:lvl1pPr>
+    </p:titleStyle>
+    <p:bodyStyle>
+      <a:lvl1pPr marL="228600" indent="-228600" algn="l" defTabSz="914400" rtl="0" eaLnBrk="1" latinLnBrk="0" hangingPunct="1">
+        <a:lnSpc>
+          <a:spcPct val="90000"/>
+        </a:lnSpc>
+        <a:spcBef>
+          <a:spcPts val="1000"/>
+        </a:spcBef>
+        <a:buFont typeface="Arial" panose="020B0604020202020204" pitchFamily="34" charset="0"/>
+        <a:buChar char="•"/>
+        <a:defRPr sz="2800" kern="1200">
+          <a:solidFill>
+            <a:schemeClr val="tx1"/>
+          </a:solidFill>
+          <a:latin typeface="+mn-lt"/>
+          <a:ea typeface="+mn-ea"/>
+          <a:cs typeface="+mn-cs"/>
+        </a:defRPr>
+      </a:lvl1pPr>
+      <a:lvl2pPr marL="685800" indent="-228600" algn="l" defTabSz="914400" rtl="0" eaLnBrk="1" latinLnBrk="0" hangingPunct="1">
+        <a:lnSpc>
+          <a:spcPct val="90000"/>
+        </a:lnSpc>
+        <a:spcBef>
+          <a:spcPts val="500"/>
+        </a:spcBef>
+        <a:buFont typeface="Arial" panose="020B0604020202020204" pitchFamily="34" charset="0"/>
+        <a:buChar char="•"/>
+        <a:defRPr sz="2400" kern="1200">
+          <a:solidFill>
+            <a:schemeClr val="tx1"/>
+          </a:solidFill>
+          <a:latin typeface="+mn-lt"/>
+          <a:ea typeface="+mn-ea"/>
+          <a:cs typeface="+mn-cs"/>
+        </a:defRPr>
+      </a:lvl2pPr>
+      <a:lvl3pPr marL="1143000" indent="-228600" algn="l" defTabSz="914400" rtl="0" eaLnBrk="1" latinLnBrk="0" hangingPunct="1">
+        <a:lnSpc>
+          <a:spcPct val="90000"/>
+        </a:lnSpc>
+        <a:spcBef>
+          <a:spcPts val="500"/>
+        </a:spcBef>
+        <a:buFont typeface="Arial" panose="020B0604020202020204" pitchFamily="34" charset="0"/>
+        <a:buChar char="•"/>
+        <a:defRPr sz="2000" kern="1200">
+          <a:solidFill>
+            <a:schemeClr val="tx1"/>
+          </a:solidFill>
+          <a:latin typeface="+mn-lt"/>
+          <a:ea typeface="+mn-ea"/>
+          <a:cs typeface="+mn-cs"/>
+        </a:defRPr>
+      </a:lvl3pPr>
+      <a:lvl4pPr marL="1600200" indent="-228600" algn="l" defTabSz="914400" rtl="0" eaLnBrk="1" latinLnBrk="0" hangingPunct="1">
+        <a:lnSpc>
+          <a:spcPct val="90000"/>
+        </a:lnSpc>
+        <a:spcBef>
+          <a:spcPts val="500"/>
+        </a:spcBef>
+        <a:buFont typeface="Arial" panose="020B0604020202020204" pitchFamily="34" charset="0"/>
+        <a:buChar char="•"/>
+        <a:defRPr sz="1800" kern="1200">
+          <a:solidFill>
+            <a:schemeClr val="tx1"/>
+          </a:solidFill>
+          <a:latin typeface="+mn-lt"/>
+          <a:ea typeface="+mn-ea"/>
+          <a:cs typeface="+mn-cs"/>
+        </a:defRPr>
+      </a:lvl4pPr>
+      <a:lvl5pPr marL="2057400" indent="-228600" algn="l" defTabSz="914400" rtl="0" eaLnBrk="1" latinLnBrk="0" hangingPunct="1">
+        <a:lnSpc>
+          <a:spcPct val="90000"/>
+        </a:lnSpc>
+        <a:spcBef>
+          <a:spcPts val="500"/>
+        </a:spcBef>
+        <a:buFont typeface="Arial" panose="020B0604020202020204" pitchFamily="34" charset="0"/>
+        <a:buChar char="•"/>
+        <a:defRPr sz="1800" kern="1200">
+          <a:solidFill>
+            <a:schemeClr val="tx1"/>
+          </a:solidFill>
+          <a:latin typeface="+mn-lt"/>
+          <a:ea typeface="+mn-ea"/>
+          <a:cs typeface="+mn-cs"/>
+        </a:defRPr>
+      </a:lvl5pPr>
+      <a:lvl6pPr marL="2514600" indent="-228600" algn="l" defTabSz="914400" rtl="0" eaLnBrk="1" latinLnBrk="0" hangingPunct="1">
+        <a:lnSpc>
+          <a:spcPct val="90000"/>
+        </a:lnSpc>
+        <a:spcBef>
+          <a:spcPts val="500"/>
+        </a:spcBef>
+        <a:buFont typeface="Arial" panose="020B0604020202020204" pitchFamily="34" charset="0"/>
+        <a:buChar char="•"/>
+        <a:defRPr sz="1800" kern="1200">
+          <a:solidFill>
+            <a:schemeClr val="tx1"/>
+          </a:solidFill>
+          <a:latin typeface="+mn-lt"/>
+          <a:ea typeface="+mn-ea"/>
+          <a:cs typeface="+mn-cs"/>
+        </a:defRPr>
+      </a:lvl6pPr>
+      <a:lvl7pPr marL="2971800" indent="-228600" algn="l" defTabSz="914400" rtl="0" eaLnBrk="1" latinLnBrk="0" hangingPunct="1">
+        <a:lnSpc>
+          <a:spcPct val="90000"/>
+        </a:lnSpc>
+        <a:spcBef>
+          <a:spcPts val="500"/>
+        </a:spcBef>
+        <a:buFont typeface="Arial" panose="020B0604020202020204" pitchFamily="34" charset="0"/>
+        <a:buChar char="•"/>
+        <a:defRPr sz="1800" kern="1200">
+          <a:solidFill>
+            <a:schemeClr val="tx1"/>
+          </a:solidFill>
+          <a:latin typeface="+mn-lt"/>
+          <a:ea typeface="+mn-ea"/>
+          <a:cs typeface="+mn-cs"/>
+        </a:defRPr>
+      </a:lvl7pPr>
+      <a:lvl8pPr marL="3429000" indent="-228600" algn="l" defTabSz="914400" rtl="0" eaLnBrk="1" latinLnBrk="0" hangingPunct="1">
+        <a:lnSpc>
+          <a:spcPct val="90000"/>
+        </a:lnSpc>
+        <a:spcBef>
+          <a:spcPts val="500"/>
+        </a:spcBef>
+        <a:buFont typeface="Arial" panose="020B0604020202020204" pitchFamily="34" charset="0"/>
+        <a:buChar char="•"/>
+        <a:defRPr sz="1800" kern="1200">
+          <a:solidFill>
+            <a:schemeClr val="tx1"/>
+          </a:solidFill>
+          <a:latin typeface="+mn-lt"/>
+          <a:ea typeface="+mn-ea"/>
+          <a:cs typeface="+mn-cs"/>
+        </a:defRPr>
+      </a:lvl8pPr>
+      <a:lvl9pPr marL="3886200" indent="-228600" algn="l" defTabSz="914400" rtl="0" eaLnBrk="1" latinLnBrk="0" hangingPunct="1">
+        <a:lnSpc>
+          <a:spcPct val="90000"/>
+        </a:lnSpc>
+        <a:spcBef>
+          <a:spcPts val="500"/>
+        </a:spcBef>
+        <a:buFont typeface="Arial" panose="020B0604020202020204" pitchFamily="34" charset="0"/>
+        <a:buChar char="•"/>
+        <a:defRPr sz="1800" kern="1200">
+          <a:solidFill>
+            <a:schemeClr val="tx1"/>
+          </a:solidFill>
+          <a:latin typeface="+mn-lt"/>
+          <a:ea typeface="+mn-ea"/>
+          <a:cs typeface="+mn-cs"/>
+        </a:defRPr>
+      </a:lvl9pPr>
+    </p:bodyStyle>
+    <p:otherStyle>
+      <a:defPPr>
+        <a:defRPr lang="en-US"/>
+      </a:defPPr>
+      <a:lvl1pPr marL="0" algn="l" defTabSz="914400" rtl="0" eaLnBrk="1" latinLnBrk="0" hangingPunct="1">
+        <a:defRPr sz="1800" kern="1200">
+          <a:solidFill>
+            <a:schemeClr val="tx1"/>
+          </a:solidFill>
+          <a:latin typeface="+mn-lt"/>
+          <a:ea typeface="+mn-ea"/>
+          <a:cs typeface="+mn-cs"/>
+        </a:defRPr>
+      </a:lvl1pPr>
+      <a:lvl2pPr marL="457200" algn="l" defTabSz="914400" rtl="0" eaLnBrk="1" latinLnBrk="0" hangingPunct="1">
+        <a:defRPr sz="1800" kern="1200">
+          <a:solidFill>
+            <a:schemeClr val="tx1"/>
+          </a:solidFill>
+          <a:latin typeface="+mn-lt"/>
+          <a:ea typeface="+mn-ea"/>
+          <a:cs typeface="+mn-cs"/>
+        </a:defRPr>
+      </a:lvl2pPr>
+      <a:lvl3pPr marL="914400" algn="l" defTabSz="914400" rtl="0" eaLnBrk="1" latinLnBrk="0" hangingPunct="1">
+        <a:defRPr sz="1800" kern="1200">
+          <a:solidFill>
+            <a:schemeClr val="tx1"/>
+          </a:solidFill>
+          <a:latin typeface="+mn-lt"/>
+          <a:ea typeface="+mn-ea"/>
+          <a:cs typeface="+mn-cs"/>
+        </a:defRPr>
+      </a:lvl3pPr>
+      <a:lvl4pPr marL="1371600" algn="l" defTabSz="914400" rtl="0" eaLnBrk="1" latinLnBrk="0" hangingPunct="1">
+        <a:defRPr sz="1800" kern="1200">
+          <a:solidFill>
+            <a:schemeClr val="tx1"/>
+          </a:solidFill>
+          <a:latin typeface="+mn-lt"/>
+          <a:ea typeface="+mn-ea"/>
+          <a:cs typeface="+mn-cs"/>
+        </a:defRPr>
+      </a:lvl4pPr>
+      <a:lvl5pPr marL="1828800" algn="l" defTabSz="914400" rtl="0" eaLnBrk="1" latinLnBrk="0" hangingPunct="1">
+        <a:defRPr sz="1800" kern="1200">
+          <a:solidFill>
+            <a:schemeClr val="tx1"/>
+          </a:solidFill>
+          <a:latin typeface="+mn-lt"/>
+          <a:ea typeface="+mn-ea"/>
+          <a:cs typeface="+mn-cs"/>
+        </a:defRPr>
+      </a:lvl5pPr>
+      <a:lvl6pPr marL="2286000" algn="l" defTabSz="914400" rtl="0" eaLnBrk="1" latinLnBrk="0" hangingPunct="1">
+        <a:defRPr sz="1800" kern="1200">
+          <a:solidFill>
+            <a:schemeClr val="tx1"/>
+          </a:solidFill>
+          <a:latin typeface="+mn-lt"/>
+          <a:ea typeface="+mn-ea"/>
+          <a:cs typeface="+mn-cs"/>
+        </a:defRPr>
+      </a:lvl6pPr>
+      <a:lvl7pPr marL="2743200" algn="l" defTabSz="914400" rtl="0" eaLnBrk="1" latinLnBrk="0" hangingPunct="1">
+        <a:defRPr sz="1800" kern="1200">
+          <a:solidFill>
+            <a:schemeClr val="tx1"/>
+          </a:solidFill>
+          <a:latin typeface="+mn-lt"/>
+          <a:ea typeface="+mn-ea"/>
+          <a:cs typeface="+mn-cs"/>
+        </a:defRPr>
+      </a:lvl7pPr>
+      <a:lvl8pPr marL="3200400" algn="l" defTabSz="914400" rtl="0" eaLnBrk="1" latinLnBrk="0" hangingPunct="1">
+        <a:defRPr sz="1800" kern="1200">
+          <a:solidFill>
+            <a:schemeClr val="tx1"/>
+          </a:solidFill>
+          <a:latin typeface="+mn-lt"/>
+          <a:ea typeface="+mn-ea"/>
+          <a:cs typeface="+mn-cs"/>
+        </a:defRPr>
+      </a:lvl8pPr>
+      <a:lvl9pPr marL="3657600" algn="l" defTabSz="914400" rtl="0" eaLnBrk="1" latinLnBrk="0" hangingPunct="1">
+        <a:defRPr sz="1800" kern="1200">
+          <a:solidFill>
+            <a:schemeClr val="tx1"/>
+          </a:solidFill>
+          <a:latin typeface="+mn-lt"/>
+          <a:ea typeface="+mn-ea"/>
+          <a:cs typeface="+mn-cs"/>
+        </a:defRPr>
+      </a:lvl9pPr>
+    </p:otherStyle>
+  </p:txStyles>
+</p:sldMaster>
+</file>
+
+<file path=ppt/slides/slide1.xml><?xml version="1.0" encoding="utf-8"?>
+<p:sld xmlns:a="http://schemas.openxmlformats.org/drawingml/2006/main" xmlns:r="http://schemas.openxmlformats.org/officeDocument/2006/relationships" xmlns:p="http://schemas.openxmlformats.org/presentationml/2006/main">
   <p:cSld>
     <p:spTree>
       <p:nvGrpSpPr>
@@ -1385,485 +2072,6 @@
           <a:chExt cx="0" cy="0"/>
         </a:xfrm>
       </p:grpSpPr>
-      <p:sp>
-        <p:nvSpPr>
-          <p:cNvPr id="0" name="PlaceHolder 1"/>
-          <p:cNvSpPr>
-            <a:spLocks noGrp="1"/>
-          </p:cNvSpPr>
-          <p:nvPr>
-            <p:ph type="title"/>
-          </p:nvPr>
-        </p:nvSpPr>
-        <p:spPr>
-          <a:xfrm>
-            <a:off x="504000" y="226080"/>
-            <a:ext cx="9071280" cy="946080"/>
-          </a:xfrm>
-          <a:prstGeom prst="rect">
-            <a:avLst/>
-          </a:prstGeom>
-        </p:spPr>
-        <p:txBody>
-          <a:bodyPr lIns="0" rIns="0" tIns="0" bIns="0" anchor="ctr">
-            <a:noAutofit/>
-          </a:bodyPr>
-          <a:p>
-            <a:r>
-              <a:rPr b="0" lang="en-US" sz="1800" spc="-1" strike="noStrike">
-                <a:latin typeface="Arial"/>
-              </a:rPr>
-              <a:t>Click to edit the title text format</a:t>
-            </a:r>
-            <a:endParaRPr b="0" lang="en-US" sz="1800" spc="-1" strike="noStrike">
-              <a:latin typeface="Arial"/>
-            </a:endParaRPr>
-          </a:p>
-        </p:txBody>
-      </p:sp>
-      <p:sp>
-        <p:nvSpPr>
-          <p:cNvPr id="1" name="PlaceHolder 2"/>
-          <p:cNvSpPr>
-            <a:spLocks noGrp="1"/>
-          </p:cNvSpPr>
-          <p:nvPr>
-            <p:ph type="body"/>
-          </p:nvPr>
-        </p:nvSpPr>
-        <p:spPr>
-          <a:xfrm>
-            <a:off x="504000" y="1326600"/>
-            <a:ext cx="9072000" cy="3288600"/>
-          </a:xfrm>
-          <a:prstGeom prst="rect">
-            <a:avLst/>
-          </a:prstGeom>
-        </p:spPr>
-        <p:txBody>
-          <a:bodyPr lIns="0" rIns="0" tIns="0" bIns="0">
-            <a:normAutofit/>
-          </a:bodyPr>
-          <a:p>
-            <a:pPr marL="432000" indent="-324000">
-              <a:spcBef>
-                <a:spcPts val="1417"/>
-              </a:spcBef>
-              <a:buClr>
-                <a:srgbClr val="000000"/>
-              </a:buClr>
-              <a:buSzPct val="45000"/>
-              <a:buFont typeface="Wingdings" charset="2"/>
-              <a:buChar char=""/>
-            </a:pPr>
-            <a:r>
-              <a:rPr b="0" lang="en-US" sz="3200" spc="-1" strike="noStrike">
-                <a:latin typeface="Arial"/>
-              </a:rPr>
-              <a:t>Click to edit the outline text format</a:t>
-            </a:r>
-            <a:endParaRPr b="0" lang="en-US" sz="3200" spc="-1" strike="noStrike">
-              <a:latin typeface="Arial"/>
-            </a:endParaRPr>
-          </a:p>
-          <a:p>
-            <a:pPr lvl="1" marL="864000" indent="-324000">
-              <a:spcBef>
-                <a:spcPts val="1134"/>
-              </a:spcBef>
-              <a:buClr>
-                <a:srgbClr val="000000"/>
-              </a:buClr>
-              <a:buSzPct val="75000"/>
-              <a:buFont typeface="Symbol" charset="2"/>
-              <a:buChar char=""/>
-            </a:pPr>
-            <a:r>
-              <a:rPr b="0" lang="en-US" sz="2800" spc="-1" strike="noStrike">
-                <a:latin typeface="Arial"/>
-              </a:rPr>
-              <a:t>Second Outline Level</a:t>
-            </a:r>
-            <a:endParaRPr b="0" lang="en-US" sz="2800" spc="-1" strike="noStrike">
-              <a:latin typeface="Arial"/>
-            </a:endParaRPr>
-          </a:p>
-          <a:p>
-            <a:pPr lvl="2" marL="1296000" indent="-288000">
-              <a:spcBef>
-                <a:spcPts val="850"/>
-              </a:spcBef>
-              <a:buClr>
-                <a:srgbClr val="000000"/>
-              </a:buClr>
-              <a:buSzPct val="45000"/>
-              <a:buFont typeface="Wingdings" charset="2"/>
-              <a:buChar char=""/>
-            </a:pPr>
-            <a:r>
-              <a:rPr b="0" lang="en-US" sz="2400" spc="-1" strike="noStrike">
-                <a:latin typeface="Arial"/>
-              </a:rPr>
-              <a:t>Third Outline Level</a:t>
-            </a:r>
-            <a:endParaRPr b="0" lang="en-US" sz="2400" spc="-1" strike="noStrike">
-              <a:latin typeface="Arial"/>
-            </a:endParaRPr>
-          </a:p>
-          <a:p>
-            <a:pPr lvl="3" marL="1728000" indent="-216000">
-              <a:spcBef>
-                <a:spcPts val="567"/>
-              </a:spcBef>
-              <a:buClr>
-                <a:srgbClr val="000000"/>
-              </a:buClr>
-              <a:buSzPct val="75000"/>
-              <a:buFont typeface="Symbol" charset="2"/>
-              <a:buChar char=""/>
-            </a:pPr>
-            <a:r>
-              <a:rPr b="0" lang="en-US" sz="2000" spc="-1" strike="noStrike">
-                <a:latin typeface="Arial"/>
-              </a:rPr>
-              <a:t>Fourth Outline Level</a:t>
-            </a:r>
-            <a:endParaRPr b="0" lang="en-US" sz="2000" spc="-1" strike="noStrike">
-              <a:latin typeface="Arial"/>
-            </a:endParaRPr>
-          </a:p>
-          <a:p>
-            <a:pPr lvl="4" marL="2160000" indent="-216000">
-              <a:spcBef>
-                <a:spcPts val="283"/>
-              </a:spcBef>
-              <a:buClr>
-                <a:srgbClr val="000000"/>
-              </a:buClr>
-              <a:buSzPct val="45000"/>
-              <a:buFont typeface="Wingdings" charset="2"/>
-              <a:buChar char=""/>
-            </a:pPr>
-            <a:r>
-              <a:rPr b="0" lang="en-US" sz="2000" spc="-1" strike="noStrike">
-                <a:latin typeface="Arial"/>
-              </a:rPr>
-              <a:t>Fifth Outline Level</a:t>
-            </a:r>
-            <a:endParaRPr b="0" lang="en-US" sz="2000" spc="-1" strike="noStrike">
-              <a:latin typeface="Arial"/>
-            </a:endParaRPr>
-          </a:p>
-          <a:p>
-            <a:pPr lvl="5" marL="2592000" indent="-216000">
-              <a:spcBef>
-                <a:spcPts val="283"/>
-              </a:spcBef>
-              <a:buClr>
-                <a:srgbClr val="000000"/>
-              </a:buClr>
-              <a:buSzPct val="45000"/>
-              <a:buFont typeface="Wingdings" charset="2"/>
-              <a:buChar char=""/>
-            </a:pPr>
-            <a:r>
-              <a:rPr b="0" lang="en-US" sz="2000" spc="-1" strike="noStrike">
-                <a:latin typeface="Arial"/>
-              </a:rPr>
-              <a:t>Sixth Outline Level</a:t>
-            </a:r>
-            <a:endParaRPr b="0" lang="en-US" sz="2000" spc="-1" strike="noStrike">
-              <a:latin typeface="Arial"/>
-            </a:endParaRPr>
-          </a:p>
-          <a:p>
-            <a:pPr lvl="6" marL="3024000" indent="-216000">
-              <a:spcBef>
-                <a:spcPts val="283"/>
-              </a:spcBef>
-              <a:buClr>
-                <a:srgbClr val="000000"/>
-              </a:buClr>
-              <a:buSzPct val="45000"/>
-              <a:buFont typeface="Wingdings" charset="2"/>
-              <a:buChar char=""/>
-            </a:pPr>
-            <a:r>
-              <a:rPr b="0" lang="en-US" sz="2000" spc="-1" strike="noStrike">
-                <a:latin typeface="Arial"/>
-              </a:rPr>
-              <a:t>Seventh Outline Level</a:t>
-            </a:r>
-            <a:endParaRPr b="0" lang="en-US" sz="2000" spc="-1" strike="noStrike">
-              <a:latin typeface="Arial"/>
-            </a:endParaRPr>
-          </a:p>
-        </p:txBody>
-      </p:sp>
-    </p:spTree>
-  </p:cSld>
-  <p:clrMap bg1="lt1" bg2="lt2" tx1="dk1" tx2="dk2" accent1="accent1" accent2="accent2" accent3="accent3" accent4="accent4" accent5="accent5" accent6="accent6" hlink="hlink" folHlink="folHlink"/>
-  <p:sldLayoutIdLst>
-    <p:sldLayoutId id="2147483649" r:id="rId2"/>
-    <p:sldLayoutId id="2147483650" r:id="rId3"/>
-    <p:sldLayoutId id="2147483651" r:id="rId4"/>
-    <p:sldLayoutId id="2147483652" r:id="rId5"/>
-    <p:sldLayoutId id="2147483653" r:id="rId6"/>
-    <p:sldLayoutId id="2147483654" r:id="rId7"/>
-    <p:sldLayoutId id="2147483655" r:id="rId8"/>
-    <p:sldLayoutId id="2147483656" r:id="rId9"/>
-    <p:sldLayoutId id="2147483657" r:id="rId10"/>
-    <p:sldLayoutId id="2147483658" r:id="rId11"/>
-    <p:sldLayoutId id="2147483659" r:id="rId12"/>
-    <p:sldLayoutId id="2147483660" r:id="rId13"/>
-  </p:sldLayoutIdLst>
-</p:sldMaster>
-</file>
-
-<file path=ppt/slides/slide1.xml><?xml version="1.0" encoding="utf-8"?>
-<p:sld xmlns:a="http://schemas.openxmlformats.org/drawingml/2006/main" xmlns:p="http://schemas.openxmlformats.org/presentationml/2006/main" xmlns:r="http://schemas.openxmlformats.org/officeDocument/2006/relationships" xmlns:p14="http://schemas.microsoft.com/office/powerpoint/2010/main" xmlns:p15="http://schemas.microsoft.com/office/powerpoint/2012/main" xmlns:mc="http://schemas.openxmlformats.org/markup-compatibility/2006">
-  <p:cSld>
-    <p:spTree>
-      <p:nvGrpSpPr>
-        <p:cNvPr id="1" name=""/>
-        <p:cNvGrpSpPr/>
-        <p:nvPr/>
-      </p:nvGrpSpPr>
-      <p:grpSpPr>
-        <a:xfrm>
-          <a:off x="0" y="0"/>
-          <a:ext cx="0" cy="0"/>
-          <a:chOff x="0" y="0"/>
-          <a:chExt cx="0" cy="0"/>
-        </a:xfrm>
-      </p:grpSpPr>
-      <p:sp>
-        <p:nvSpPr>
-          <p:cNvPr id="38" name="CustomShape 1"/>
-          <p:cNvSpPr/>
-          <p:nvPr/>
-        </p:nvSpPr>
-        <p:spPr>
-          <a:xfrm>
-            <a:off x="365760" y="1398600"/>
-            <a:ext cx="2651760" cy="1188360"/>
-          </a:xfrm>
-          <a:prstGeom prst="rect">
-            <a:avLst/>
-          </a:prstGeom>
-          <a:noFill/>
-          <a:ln w="36720">
-            <a:noFill/>
-          </a:ln>
-        </p:spPr>
-        <p:style>
-          <a:lnRef idx="0"/>
-          <a:fillRef idx="0"/>
-          <a:effectRef idx="0"/>
-          <a:fontRef idx="minor"/>
-        </p:style>
-        <p:txBody>
-          <a:bodyPr lIns="90000" rIns="90000" tIns="45000" bIns="45000">
-            <a:noAutofit/>
-          </a:bodyPr>
-          <a:p>
-            <a:pPr>
-              <a:lnSpc>
-                <a:spcPct val="100000"/>
-              </a:lnSpc>
-            </a:pPr>
-            <a:r>
-              <a:rPr b="1" lang="en-US" sz="1800" spc="-1" strike="noStrike">
-                <a:latin typeface="Arial"/>
-              </a:rPr>
-              <a:t>Mixture</a:t>
-            </a:r>
-            <a:endParaRPr b="0" lang="en-US" sz="1800" spc="-1" strike="noStrike">
-              <a:latin typeface="Arial"/>
-            </a:endParaRPr>
-          </a:p>
-          <a:p>
-            <a:pPr>
-              <a:lnSpc>
-                <a:spcPct val="100000"/>
-              </a:lnSpc>
-            </a:pPr>
-            <a:r>
-              <a:rPr b="0" lang="en-US" sz="1800" spc="-1" strike="noStrike">
-                <a:latin typeface="Arial"/>
-              </a:rPr>
-              <a:t># dimension</a:t>
-            </a:r>
-            <a:endParaRPr b="0" lang="en-US" sz="1800" spc="-1" strike="noStrike">
-              <a:latin typeface="Arial"/>
-            </a:endParaRPr>
-          </a:p>
-          <a:p>
-            <a:pPr>
-              <a:lnSpc>
-                <a:spcPct val="100000"/>
-              </a:lnSpc>
-            </a:pPr>
-            <a:r>
-              <a:rPr b="0" lang="en-US" sz="1800" spc="-1" strike="noStrike">
-                <a:latin typeface="Arial"/>
-              </a:rPr>
-              <a:t># total_mass</a:t>
-            </a:r>
-            <a:endParaRPr b="0" lang="en-US" sz="1800" spc="-1" strike="noStrike">
-              <a:latin typeface="Arial"/>
-            </a:endParaRPr>
-          </a:p>
-          <a:p>
-            <a:pPr>
-              <a:lnSpc>
-                <a:spcPct val="100000"/>
-              </a:lnSpc>
-            </a:pPr>
-            <a:r>
-              <a:rPr b="0" lang="en-US" sz="1800" spc="-1" strike="noStrike">
-                <a:latin typeface="Arial"/>
-              </a:rPr>
-              <a:t>+ </a:t>
-            </a:r>
-            <a:r>
-              <a:rPr b="0" i="1" lang="en-US" sz="1800" spc="-1" strike="noStrike">
-                <a:latin typeface="Arial"/>
-              </a:rPr>
-              <a:t>stick_break_repr()</a:t>
-            </a:r>
-            <a:endParaRPr b="0" lang="en-US" sz="1800" spc="-1" strike="noStrike">
-              <a:latin typeface="Arial"/>
-            </a:endParaRPr>
-          </a:p>
-        </p:txBody>
-      </p:sp>
-      <p:sp>
-        <p:nvSpPr>
-          <p:cNvPr id="39" name="CustomShape 2"/>
-          <p:cNvSpPr/>
-          <p:nvPr/>
-        </p:nvSpPr>
-        <p:spPr>
-          <a:xfrm>
-            <a:off x="182880" y="3227040"/>
-            <a:ext cx="2216520" cy="601920"/>
-          </a:xfrm>
-          <a:prstGeom prst="rect">
-            <a:avLst/>
-          </a:prstGeom>
-          <a:noFill/>
-          <a:ln w="36720">
-            <a:noFill/>
-          </a:ln>
-        </p:spPr>
-        <p:style>
-          <a:lnRef idx="0"/>
-          <a:fillRef idx="0"/>
-          <a:effectRef idx="0"/>
-          <a:fontRef idx="minor"/>
-        </p:style>
-        <p:txBody>
-          <a:bodyPr lIns="90000" rIns="90000" tIns="45000" bIns="45000">
-            <a:noAutofit/>
-          </a:bodyPr>
-          <a:p>
-            <a:pPr>
-              <a:lnSpc>
-                <a:spcPct val="100000"/>
-              </a:lnSpc>
-            </a:pPr>
-            <a:r>
-              <a:rPr b="1" lang="en-US" sz="1800" spc="-1" strike="noStrike">
-                <a:latin typeface="Arial"/>
-              </a:rPr>
-              <a:t>DirichletProcess</a:t>
-            </a:r>
-            <a:endParaRPr b="0" lang="en-US" sz="1800" spc="-1" strike="noStrike">
-              <a:latin typeface="Arial"/>
-            </a:endParaRPr>
-          </a:p>
-          <a:p>
-            <a:pPr>
-              <a:lnSpc>
-                <a:spcPct val="100000"/>
-              </a:lnSpc>
-            </a:pPr>
-            <a:r>
-              <a:rPr b="0" lang="en-US" sz="1800" spc="-1" strike="noStrike">
-                <a:latin typeface="Arial"/>
-              </a:rPr>
-              <a:t>+ stick_break_repr()</a:t>
-            </a:r>
-            <a:endParaRPr b="0" lang="en-US" sz="1800" spc="-1" strike="noStrike">
-              <a:latin typeface="Arial"/>
-            </a:endParaRPr>
-          </a:p>
-        </p:txBody>
-      </p:sp>
-      <p:sp>
-        <p:nvSpPr>
-          <p:cNvPr id="40" name="CustomShape 3"/>
-          <p:cNvSpPr/>
-          <p:nvPr/>
-        </p:nvSpPr>
-        <p:spPr>
-          <a:xfrm>
-            <a:off x="1463040" y="4507200"/>
-            <a:ext cx="2216520" cy="601920"/>
-          </a:xfrm>
-          <a:prstGeom prst="rect">
-            <a:avLst/>
-          </a:prstGeom>
-          <a:noFill/>
-          <a:ln w="36720">
-            <a:noFill/>
-          </a:ln>
-        </p:spPr>
-        <p:style>
-          <a:lnRef idx="0"/>
-          <a:fillRef idx="0"/>
-          <a:effectRef idx="0"/>
-          <a:fontRef idx="minor"/>
-        </p:style>
-        <p:txBody>
-          <a:bodyPr lIns="90000" rIns="90000" tIns="45000" bIns="45000">
-            <a:noAutofit/>
-          </a:bodyPr>
-          <a:p>
-            <a:pPr>
-              <a:lnSpc>
-                <a:spcPct val="100000"/>
-              </a:lnSpc>
-            </a:pPr>
-            <a:r>
-              <a:rPr b="1" lang="en-US" sz="1800" spc="-1" strike="noStrike">
-                <a:latin typeface="Arial"/>
-              </a:rPr>
-              <a:t>PitmanYor</a:t>
-            </a:r>
-            <a:endParaRPr b="0" lang="en-US" sz="1800" spc="-1" strike="noStrike">
-              <a:latin typeface="Arial"/>
-            </a:endParaRPr>
-          </a:p>
-          <a:p>
-            <a:pPr>
-              <a:lnSpc>
-                <a:spcPct val="100000"/>
-              </a:lnSpc>
-            </a:pPr>
-            <a:r>
-              <a:rPr b="0" lang="en-US" sz="1800" spc="-1" strike="noStrike">
-                <a:latin typeface="Arial"/>
-              </a:rPr>
-              <a:t>+ stick_break_repr()</a:t>
-            </a:r>
-            <a:endParaRPr b="0" lang="en-US" sz="1800" spc="-1" strike="noStrike">
-              <a:latin typeface="Arial"/>
-            </a:endParaRPr>
-          </a:p>
-        </p:txBody>
-      </p:sp>
       <p:cxnSp>
         <p:nvCxnSpPr>
           <p:cNvPr id="41" name="Line 4"/>
@@ -1880,7 +2088,7 @@
           </a:prstGeom>
           <a:ln>
             <a:solidFill>
-              <a:srgbClr val="3465a4"/>
+              <a:srgbClr val="3465A4"/>
             </a:solidFill>
           </a:ln>
         </p:spPr>
@@ -1901,333 +2109,11 @@
           </a:prstGeom>
           <a:ln>
             <a:solidFill>
-              <a:srgbClr val="3465a4"/>
+              <a:srgbClr val="3465A4"/>
             </a:solidFill>
           </a:ln>
         </p:spPr>
       </p:cxnSp>
-      <p:sp>
-        <p:nvSpPr>
-          <p:cNvPr id="43" name="TextShape 6"/>
-          <p:cNvSpPr txBox="1"/>
-          <p:nvPr/>
-        </p:nvSpPr>
-        <p:spPr>
-          <a:xfrm>
-            <a:off x="2834640" y="257400"/>
-            <a:ext cx="1878480" cy="1114200"/>
-          </a:xfrm>
-          <a:prstGeom prst="rect">
-            <a:avLst/>
-          </a:prstGeom>
-          <a:noFill/>
-          <a:ln>
-            <a:noFill/>
-          </a:ln>
-        </p:spPr>
-        <p:txBody>
-          <a:bodyPr lIns="90000" rIns="90000" tIns="45000" bIns="45000">
-            <a:noAutofit/>
-          </a:bodyPr>
-          <a:p>
-            <a:r>
-              <a:rPr b="1" lang="en-US" sz="1800" spc="-1" strike="noStrike">
-                <a:latin typeface="Arial"/>
-              </a:rPr>
-              <a:t>Hierarchy</a:t>
-            </a:r>
-            <a:endParaRPr b="0" lang="en-US" sz="1800" spc="-1" strike="noStrike">
-              <a:latin typeface="Arial"/>
-            </a:endParaRPr>
-          </a:p>
-          <a:p>
-            <a:r>
-              <a:rPr b="0" lang="en-US" sz="1800" spc="-1" strike="noStrike">
-                <a:latin typeface="Arial"/>
-              </a:rPr>
-              <a:t># base_measure</a:t>
-            </a:r>
-            <a:endParaRPr b="0" lang="en-US" sz="1800" spc="-1" strike="noStrike">
-              <a:latin typeface="Arial"/>
-            </a:endParaRPr>
-          </a:p>
-          <a:p>
-            <a:r>
-              <a:rPr b="0" lang="en-US" sz="1800" spc="-1" strike="noStrike">
-                <a:latin typeface="Arial"/>
-              </a:rPr>
-              <a:t># kernel</a:t>
-            </a:r>
-            <a:endParaRPr b="0" lang="en-US" sz="1800" spc="-1" strike="noStrike">
-              <a:latin typeface="Arial"/>
-            </a:endParaRPr>
-          </a:p>
-          <a:p>
-            <a:r>
-              <a:rPr b="0" lang="en-US" sz="1800" spc="-1" strike="noStrike">
-                <a:latin typeface="Arial"/>
-              </a:rPr>
-              <a:t>+ is_conjugate()</a:t>
-            </a:r>
-            <a:endParaRPr b="0" lang="en-US" sz="1800" spc="-1" strike="noStrike">
-              <a:latin typeface="Arial"/>
-            </a:endParaRPr>
-          </a:p>
-        </p:txBody>
-      </p:sp>
-      <p:sp>
-        <p:nvSpPr>
-          <p:cNvPr id="44" name="TextShape 7"/>
-          <p:cNvSpPr txBox="1"/>
-          <p:nvPr/>
-        </p:nvSpPr>
-        <p:spPr>
-          <a:xfrm>
-            <a:off x="6165000" y="1463040"/>
-            <a:ext cx="3317040" cy="1626120"/>
-          </a:xfrm>
-          <a:prstGeom prst="rect">
-            <a:avLst/>
-          </a:prstGeom>
-          <a:noFill/>
-          <a:ln>
-            <a:noFill/>
-          </a:ln>
-        </p:spPr>
-        <p:txBody>
-          <a:bodyPr lIns="90000" rIns="90000" tIns="45000" bIns="45000">
-            <a:noAutofit/>
-          </a:bodyPr>
-          <a:p>
-            <a:r>
-              <a:rPr b="1" lang="en-US" sz="1800" spc="-1" strike="noStrike">
-                <a:latin typeface="Arial"/>
-              </a:rPr>
-              <a:t>Algorithm</a:t>
-            </a:r>
-            <a:r>
-              <a:rPr b="0" lang="en-US" sz="1800" spc="-1" strike="noStrike">
-                <a:latin typeface="Arial"/>
-              </a:rPr>
-              <a:t>&lt;Mixture,Hierarchy&gt;</a:t>
-            </a:r>
-            <a:endParaRPr b="0" lang="en-US" sz="1800" spc="-1" strike="noStrike">
-              <a:latin typeface="Arial"/>
-            </a:endParaRPr>
-          </a:p>
-          <a:p>
-            <a:r>
-              <a:rPr b="0" lang="en-US" sz="1800" spc="-1" strike="noStrike">
-                <a:latin typeface="Arial"/>
-              </a:rPr>
-              <a:t>+ run()</a:t>
-            </a:r>
-            <a:endParaRPr b="0" lang="en-US" sz="1800" spc="-1" strike="noStrike">
-              <a:latin typeface="Arial"/>
-            </a:endParaRPr>
-          </a:p>
-          <a:p>
-            <a:r>
-              <a:rPr b="0" lang="en-US" sz="1800" spc="-1" strike="noStrike">
-                <a:latin typeface="Arial"/>
-              </a:rPr>
-              <a:t># step()</a:t>
-            </a:r>
-            <a:endParaRPr b="0" lang="en-US" sz="1800" spc="-1" strike="noStrike">
-              <a:latin typeface="Arial"/>
-            </a:endParaRPr>
-          </a:p>
-          <a:p>
-            <a:r>
-              <a:rPr b="0" lang="en-US" sz="1800" spc="-1" strike="noStrike">
-                <a:latin typeface="Arial"/>
-              </a:rPr>
-              <a:t># </a:t>
-            </a:r>
-            <a:r>
-              <a:rPr b="0" i="1" lang="en-US" sz="1800" spc="-1" strike="noStrike">
-                <a:latin typeface="Arial"/>
-              </a:rPr>
-              <a:t>sample_allocations()</a:t>
-            </a:r>
-            <a:endParaRPr b="0" lang="en-US" sz="1800" spc="-1" strike="noStrike">
-              <a:latin typeface="Arial"/>
-            </a:endParaRPr>
-          </a:p>
-          <a:p>
-            <a:r>
-              <a:rPr b="0" lang="en-US" sz="1800" spc="-1" strike="noStrike">
-                <a:latin typeface="Arial"/>
-              </a:rPr>
-              <a:t># </a:t>
-            </a:r>
-            <a:r>
-              <a:rPr b="0" i="1" lang="en-US" sz="1800" spc="-1" strike="noStrike">
-                <a:latin typeface="Arial"/>
-              </a:rPr>
-              <a:t>sample_unique_values()</a:t>
-            </a:r>
-            <a:endParaRPr b="0" lang="en-US" sz="1800" spc="-1" strike="noStrike">
-              <a:latin typeface="Arial"/>
-            </a:endParaRPr>
-          </a:p>
-          <a:p>
-            <a:r>
-              <a:rPr b="0" lang="en-US" sz="1800" spc="-1" strike="noStrike">
-                <a:latin typeface="Arial"/>
-              </a:rPr>
-              <a:t># </a:t>
-            </a:r>
-            <a:r>
-              <a:rPr b="0" i="1" lang="en-US" sz="1800" spc="-1" strike="noStrike">
-                <a:latin typeface="Arial"/>
-              </a:rPr>
-              <a:t>sample_weigths()</a:t>
-            </a:r>
-            <a:endParaRPr b="0" lang="en-US" sz="1800" spc="-1" strike="noStrike">
-              <a:latin typeface="Arial"/>
-            </a:endParaRPr>
-          </a:p>
-        </p:txBody>
-      </p:sp>
-      <p:sp>
-        <p:nvSpPr>
-          <p:cNvPr id="45" name="TextShape 8"/>
-          <p:cNvSpPr txBox="1"/>
-          <p:nvPr/>
-        </p:nvSpPr>
-        <p:spPr>
-          <a:xfrm>
-            <a:off x="4430520" y="3732120"/>
-            <a:ext cx="2852280" cy="1114200"/>
-          </a:xfrm>
-          <a:prstGeom prst="rect">
-            <a:avLst/>
-          </a:prstGeom>
-          <a:noFill/>
-          <a:ln>
-            <a:noFill/>
-          </a:ln>
-        </p:spPr>
-        <p:txBody>
-          <a:bodyPr lIns="90000" rIns="90000" tIns="45000" bIns="45000">
-            <a:noAutofit/>
-          </a:bodyPr>
-          <a:p>
-            <a:r>
-              <a:rPr b="1" lang="en-US" sz="1800" spc="-1" strike="noStrike">
-                <a:latin typeface="Arial"/>
-              </a:rPr>
-              <a:t>Neal8</a:t>
-            </a:r>
-            <a:endParaRPr b="0" lang="en-US" sz="1800" spc="-1" strike="noStrike">
-              <a:latin typeface="Arial"/>
-            </a:endParaRPr>
-          </a:p>
-          <a:p>
-            <a:r>
-              <a:rPr b="0" lang="en-US" sz="1800" spc="-1" strike="noStrike">
-                <a:latin typeface="Arial"/>
-              </a:rPr>
-              <a:t># sample_allocations()</a:t>
-            </a:r>
-            <a:endParaRPr b="0" lang="en-US" sz="1800" spc="-1" strike="noStrike">
-              <a:latin typeface="Arial"/>
-            </a:endParaRPr>
-          </a:p>
-          <a:p>
-            <a:r>
-              <a:rPr b="0" lang="en-US" sz="1800" spc="-1" strike="noStrike">
-                <a:latin typeface="Arial"/>
-              </a:rPr>
-              <a:t># sample_unique_values()</a:t>
-            </a:r>
-            <a:endParaRPr b="0" lang="en-US" sz="1800" spc="-1" strike="noStrike">
-              <a:latin typeface="Arial"/>
-            </a:endParaRPr>
-          </a:p>
-          <a:p>
-            <a:r>
-              <a:rPr b="0" lang="en-US" sz="1800" spc="-1" strike="noStrike">
-                <a:latin typeface="Arial"/>
-              </a:rPr>
-              <a:t># sample_weights() = 0</a:t>
-            </a:r>
-            <a:endParaRPr b="0" lang="en-US" sz="1800" spc="-1" strike="noStrike">
-              <a:latin typeface="Arial"/>
-            </a:endParaRPr>
-          </a:p>
-        </p:txBody>
-      </p:sp>
-      <p:sp>
-        <p:nvSpPr>
-          <p:cNvPr id="46" name="TextShape 9"/>
-          <p:cNvSpPr txBox="1"/>
-          <p:nvPr/>
-        </p:nvSpPr>
-        <p:spPr>
-          <a:xfrm>
-            <a:off x="7297560" y="3742560"/>
-            <a:ext cx="2852280" cy="1114200"/>
-          </a:xfrm>
-          <a:prstGeom prst="rect">
-            <a:avLst/>
-          </a:prstGeom>
-          <a:noFill/>
-          <a:ln>
-            <a:noFill/>
-          </a:ln>
-        </p:spPr>
-        <p:txBody>
-          <a:bodyPr lIns="90000" rIns="90000" tIns="45000" bIns="45000">
-            <a:noAutofit/>
-          </a:bodyPr>
-          <a:p>
-            <a:r>
-              <a:rPr b="1" lang="en-US" sz="1800" spc="-1" strike="noStrike">
-                <a:latin typeface="Arial"/>
-              </a:rPr>
-              <a:t>BlockedGibbs</a:t>
-            </a:r>
-            <a:endParaRPr b="0" lang="en-US" sz="1800" spc="-1" strike="noStrike">
-              <a:latin typeface="Arial"/>
-            </a:endParaRPr>
-          </a:p>
-          <a:p>
-            <a:r>
-              <a:rPr b="0" lang="en-US" sz="1800" spc="-1" strike="noStrike">
-                <a:latin typeface="Arial"/>
-              </a:rPr>
-              <a:t># sample_allocations()</a:t>
-            </a:r>
-            <a:endParaRPr b="0" lang="en-US" sz="1800" spc="-1" strike="noStrike">
-              <a:latin typeface="Arial"/>
-            </a:endParaRPr>
-          </a:p>
-          <a:p>
-            <a:r>
-              <a:rPr b="0" lang="en-US" sz="1800" spc="-1" strike="noStrike">
-                <a:latin typeface="Arial"/>
-              </a:rPr>
-              <a:t># sample_unique_values()</a:t>
-            </a:r>
-            <a:endParaRPr b="0" lang="en-US" sz="1800" spc="-1" strike="noStrike">
-              <a:latin typeface="Arial"/>
-            </a:endParaRPr>
-          </a:p>
-          <a:p>
-            <a:r>
-              <a:rPr b="0" lang="en-US" sz="1800" spc="-1" strike="noStrike">
-                <a:latin typeface="Arial"/>
-              </a:rPr>
-              <a:t># sample_weights()</a:t>
-            </a:r>
-            <a:endParaRPr b="0" lang="en-US" sz="1800" spc="-1" strike="noStrike">
-              <a:latin typeface="Arial"/>
-            </a:endParaRPr>
-          </a:p>
-        </p:txBody>
-      </p:sp>
       <p:cxnSp>
         <p:nvCxnSpPr>
           <p:cNvPr id="47" name="Line 10"/>
@@ -2244,7 +2130,7 @@
           </a:prstGeom>
           <a:ln>
             <a:solidFill>
-              <a:srgbClr val="3465a4"/>
+              <a:srgbClr val="3465A4"/>
             </a:solidFill>
           </a:ln>
         </p:spPr>
@@ -2265,7 +2151,7 @@
           </a:prstGeom>
           <a:ln>
             <a:solidFill>
-              <a:srgbClr val="3465a4"/>
+              <a:srgbClr val="3465A4"/>
             </a:solidFill>
           </a:ln>
         </p:spPr>
@@ -2277,14 +2163,15 @@
           <p:nvPr/>
         </p:nvSpPr>
         <p:spPr>
-          <a:xfrm rot="1800000">
-            <a:off x="4846320" y="1280160"/>
-            <a:ext cx="1005840" cy="274320"/>
+          <a:xfrm rot="1049638">
+            <a:off x="5280642" y="524326"/>
+            <a:ext cx="844338" cy="382170"/>
           </a:xfrm>
           <a:custGeom>
             <a:avLst/>
             <a:gdLst/>
             <a:ahLst/>
+            <a:cxnLst/>
             <a:rect l="0" t="0" r="r" b="b"/>
             <a:pathLst>
               <a:path w="2796" h="764">
@@ -2315,20 +2202,24 @@
               </a:path>
             </a:pathLst>
           </a:custGeom>
-          <a:solidFill>
-            <a:srgbClr val="74bde4"/>
-          </a:solidFill>
           <a:ln>
-            <a:solidFill>
-              <a:srgbClr val="3465a4"/>
-            </a:solidFill>
+            <a:headEnd type="none" w="med" len="med"/>
+            <a:tailEnd type="none" w="med" len="med"/>
           </a:ln>
         </p:spPr>
         <p:style>
-          <a:lnRef idx="0"/>
-          <a:fillRef idx="0"/>
-          <a:effectRef idx="0"/>
-          <a:fontRef idx="minor"/>
+          <a:lnRef idx="1">
+            <a:schemeClr val="dk1"/>
+          </a:lnRef>
+          <a:fillRef idx="0">
+            <a:schemeClr val="dk1"/>
+          </a:fillRef>
+          <a:effectRef idx="0">
+            <a:schemeClr val="dk1"/>
+          </a:effectRef>
+          <a:fontRef idx="minor">
+            <a:schemeClr val="tx1"/>
+          </a:fontRef>
         </p:style>
       </p:sp>
       <p:sp>
@@ -2338,14 +2229,15 @@
           <p:nvPr/>
         </p:nvSpPr>
         <p:spPr>
-          <a:xfrm>
-            <a:off x="3108960" y="2194560"/>
-            <a:ext cx="2376360" cy="274320"/>
+          <a:xfrm rot="20425071">
+            <a:off x="5284674" y="2141391"/>
+            <a:ext cx="886523" cy="403294"/>
           </a:xfrm>
           <a:custGeom>
             <a:avLst/>
             <a:gdLst/>
             <a:ahLst/>
+            <a:cxnLst/>
             <a:rect l="0" t="0" r="r" b="b"/>
             <a:pathLst>
               <a:path w="6603" h="764">
@@ -2376,32 +2268,973 @@
               </a:path>
             </a:pathLst>
           </a:custGeom>
-          <a:solidFill>
-            <a:srgbClr val="74bde4"/>
-          </a:solidFill>
-          <a:ln>
+          <a:ln/>
+        </p:spPr>
+        <p:style>
+          <a:lnRef idx="1">
+            <a:schemeClr val="dk1"/>
+          </a:lnRef>
+          <a:fillRef idx="0">
+            <a:schemeClr val="dk1"/>
+          </a:fillRef>
+          <a:effectRef idx="0">
+            <a:schemeClr val="dk1"/>
+          </a:effectRef>
+          <a:fontRef idx="minor">
+            <a:schemeClr val="tx1"/>
+          </a:fontRef>
+        </p:style>
+      </p:sp>
+      <p:sp>
+        <p:nvSpPr>
+          <p:cNvPr id="2" name="Rettangolo arrotondato 1"/>
+          <p:cNvSpPr/>
+          <p:nvPr/>
+        </p:nvSpPr>
+        <p:spPr>
+          <a:xfrm>
+            <a:off x="106326" y="1168216"/>
+            <a:ext cx="2424223" cy="942032"/>
+          </a:xfrm>
+          <a:prstGeom prst="roundRect">
+            <a:avLst/>
+          </a:prstGeom>
+          <a:ln/>
+        </p:spPr>
+        <p:style>
+          <a:lnRef idx="2">
+            <a:schemeClr val="accent6"/>
+          </a:lnRef>
+          <a:fillRef idx="1">
+            <a:schemeClr val="lt1"/>
+          </a:fillRef>
+          <a:effectRef idx="0">
+            <a:schemeClr val="accent6"/>
+          </a:effectRef>
+          <a:fontRef idx="minor">
+            <a:schemeClr val="dk1"/>
+          </a:fontRef>
+        </p:style>
+        <p:txBody>
+          <a:bodyPr rtlCol="0" anchor="ctr"/>
+          <a:lstStyle/>
+          <a:p>
+            <a:pPr>
+              <a:lnSpc>
+                <a:spcPct val="100000"/>
+              </a:lnSpc>
+            </a:pPr>
+            <a:r>
+              <a:rPr lang="en-US" b="1" spc="-1" dirty="0" err="1"/>
+              <a:t>DirichletProcess</a:t>
+            </a:r>
+            <a:endParaRPr lang="en-US" spc="-1" dirty="0"/>
+          </a:p>
+          <a:p>
+            <a:pPr>
+              <a:lnSpc>
+                <a:spcPct val="100000"/>
+              </a:lnSpc>
+            </a:pPr>
+            <a:r>
+              <a:rPr lang="en-US" spc="-1" dirty="0" smtClean="0"/>
+              <a:t>+ </a:t>
+            </a:r>
+            <a:r>
+              <a:rPr lang="en-US" spc="-1" dirty="0" err="1" smtClean="0"/>
+              <a:t>stick_break_repr</a:t>
+            </a:r>
+            <a:r>
+              <a:rPr lang="en-US" spc="-1" dirty="0" smtClean="0"/>
+              <a:t>()</a:t>
+            </a:r>
+            <a:endParaRPr lang="en-GB" dirty="0"/>
+          </a:p>
+        </p:txBody>
+      </p:sp>
+      <p:sp>
+        <p:nvSpPr>
+          <p:cNvPr id="3" name="Rettangolo arrotondato 2"/>
+          <p:cNvSpPr/>
+          <p:nvPr/>
+        </p:nvSpPr>
+        <p:spPr>
+          <a:xfrm>
+            <a:off x="315305" y="3630714"/>
+            <a:ext cx="2574071" cy="870272"/>
+          </a:xfrm>
+          <a:prstGeom prst="roundRect">
+            <a:avLst/>
+          </a:prstGeom>
+          <a:ln/>
+        </p:spPr>
+        <p:style>
+          <a:lnRef idx="2">
+            <a:schemeClr val="accent6"/>
+          </a:lnRef>
+          <a:fillRef idx="1">
+            <a:schemeClr val="lt1"/>
+          </a:fillRef>
+          <a:effectRef idx="0">
+            <a:schemeClr val="accent6"/>
+          </a:effectRef>
+          <a:fontRef idx="minor">
+            <a:schemeClr val="dk1"/>
+          </a:fontRef>
+        </p:style>
+        <p:txBody>
+          <a:bodyPr rtlCol="0" anchor="ctr"/>
+          <a:lstStyle/>
+          <a:p>
+            <a:pPr>
+              <a:lnSpc>
+                <a:spcPct val="100000"/>
+              </a:lnSpc>
+            </a:pPr>
+            <a:r>
+              <a:rPr lang="en-US" b="1" spc="-1" dirty="0" err="1">
+                <a:solidFill>
+                  <a:schemeClr val="tx1"/>
+                </a:solidFill>
+              </a:rPr>
+              <a:t>PitmanYor</a:t>
+            </a:r>
+            <a:endParaRPr lang="en-US" spc="-1" dirty="0">
+              <a:solidFill>
+                <a:schemeClr val="tx1"/>
+              </a:solidFill>
+            </a:endParaRPr>
+          </a:p>
+          <a:p>
+            <a:pPr>
+              <a:lnSpc>
+                <a:spcPct val="100000"/>
+              </a:lnSpc>
+            </a:pPr>
+            <a:r>
+              <a:rPr lang="en-US" spc="-1" dirty="0">
+                <a:solidFill>
+                  <a:schemeClr val="tx1"/>
+                </a:solidFill>
+              </a:rPr>
+              <a:t>+ </a:t>
+            </a:r>
+            <a:r>
+              <a:rPr lang="en-US" spc="-1" dirty="0" err="1" smtClean="0">
+                <a:solidFill>
+                  <a:schemeClr val="tx1"/>
+                </a:solidFill>
+              </a:rPr>
+              <a:t>stick_break_repr</a:t>
+            </a:r>
+            <a:r>
+              <a:rPr lang="en-US" spc="-1" dirty="0">
+                <a:solidFill>
+                  <a:schemeClr val="tx1"/>
+                </a:solidFill>
+              </a:rPr>
+              <a:t>()</a:t>
+            </a:r>
+          </a:p>
+        </p:txBody>
+      </p:sp>
+      <p:sp>
+        <p:nvSpPr>
+          <p:cNvPr id="4" name="Rettangolo arrotondato 3"/>
+          <p:cNvSpPr/>
+          <p:nvPr/>
+        </p:nvSpPr>
+        <p:spPr>
+          <a:xfrm>
+            <a:off x="2589184" y="1728625"/>
+            <a:ext cx="2583557" cy="1492765"/>
+          </a:xfrm>
+          <a:prstGeom prst="roundRect">
+            <a:avLst/>
+          </a:prstGeom>
+        </p:spPr>
+        <p:style>
+          <a:lnRef idx="0">
+            <a:schemeClr val="accent6"/>
+          </a:lnRef>
+          <a:fillRef idx="3">
+            <a:schemeClr val="accent6"/>
+          </a:fillRef>
+          <a:effectRef idx="3">
+            <a:schemeClr val="accent6"/>
+          </a:effectRef>
+          <a:fontRef idx="minor">
+            <a:schemeClr val="lt1"/>
+          </a:fontRef>
+        </p:style>
+        <p:txBody>
+          <a:bodyPr rtlCol="0" anchor="ctr"/>
+          <a:lstStyle/>
+          <a:p>
+            <a:pPr>
+              <a:lnSpc>
+                <a:spcPct val="100000"/>
+              </a:lnSpc>
+            </a:pPr>
+            <a:r>
+              <a:rPr lang="en-US" b="1" spc="-1" dirty="0">
+                <a:solidFill>
+                  <a:schemeClr val="tx1"/>
+                </a:solidFill>
+              </a:rPr>
+              <a:t>Mixture</a:t>
+            </a:r>
+            <a:endParaRPr lang="en-US" spc="-1" dirty="0">
+              <a:solidFill>
+                <a:schemeClr val="tx1"/>
+              </a:solidFill>
+            </a:endParaRPr>
+          </a:p>
+          <a:p>
+            <a:pPr>
+              <a:lnSpc>
+                <a:spcPct val="100000"/>
+              </a:lnSpc>
+            </a:pPr>
+            <a:r>
+              <a:rPr lang="en-US" spc="-1" dirty="0">
+                <a:solidFill>
+                  <a:schemeClr val="tx1"/>
+                </a:solidFill>
+              </a:rPr>
+              <a:t># dimension</a:t>
+            </a:r>
+          </a:p>
+          <a:p>
+            <a:pPr>
+              <a:lnSpc>
+                <a:spcPct val="100000"/>
+              </a:lnSpc>
+            </a:pPr>
+            <a:r>
+              <a:rPr lang="en-US" spc="-1" dirty="0">
+                <a:solidFill>
+                  <a:schemeClr val="tx1"/>
+                </a:solidFill>
+              </a:rPr>
+              <a:t># </a:t>
+            </a:r>
+            <a:r>
+              <a:rPr lang="en-US" spc="-1" dirty="0" err="1">
+                <a:solidFill>
+                  <a:schemeClr val="tx1"/>
+                </a:solidFill>
+              </a:rPr>
+              <a:t>total_mass</a:t>
+            </a:r>
+            <a:endParaRPr lang="en-US" spc="-1" dirty="0">
+              <a:solidFill>
+                <a:schemeClr val="tx1"/>
+              </a:solidFill>
+            </a:endParaRPr>
+          </a:p>
+          <a:p>
+            <a:pPr>
+              <a:lnSpc>
+                <a:spcPct val="100000"/>
+              </a:lnSpc>
+            </a:pPr>
+            <a:r>
+              <a:rPr lang="en-US" spc="-1" dirty="0">
+                <a:solidFill>
+                  <a:schemeClr val="tx1"/>
+                </a:solidFill>
+              </a:rPr>
+              <a:t>+ </a:t>
+            </a:r>
+            <a:r>
+              <a:rPr lang="en-US" i="1" spc="-1" dirty="0" err="1">
+                <a:solidFill>
+                  <a:schemeClr val="tx1"/>
+                </a:solidFill>
+              </a:rPr>
+              <a:t>stick_break_repr</a:t>
+            </a:r>
+            <a:r>
+              <a:rPr lang="en-US" i="1" spc="-1" dirty="0">
+                <a:solidFill>
+                  <a:schemeClr val="tx1"/>
+                </a:solidFill>
+              </a:rPr>
+              <a:t>()</a:t>
+            </a:r>
+            <a:endParaRPr lang="en-US" spc="-1" dirty="0">
+              <a:solidFill>
+                <a:schemeClr val="tx1"/>
+              </a:solidFill>
+            </a:endParaRPr>
+          </a:p>
+        </p:txBody>
+      </p:sp>
+      <p:sp>
+        <p:nvSpPr>
+          <p:cNvPr id="5" name="Rettangolo arrotondato 4"/>
+          <p:cNvSpPr/>
+          <p:nvPr/>
+        </p:nvSpPr>
+        <p:spPr>
+          <a:xfrm>
+            <a:off x="2780103" y="122534"/>
+            <a:ext cx="2240280" cy="1410442"/>
+          </a:xfrm>
+          <a:prstGeom prst="roundRect">
+            <a:avLst/>
+          </a:prstGeom>
+        </p:spPr>
+        <p:style>
+          <a:lnRef idx="0">
+            <a:schemeClr val="accent2"/>
+          </a:lnRef>
+          <a:fillRef idx="3">
+            <a:schemeClr val="accent2"/>
+          </a:fillRef>
+          <a:effectRef idx="3">
+            <a:schemeClr val="accent2"/>
+          </a:effectRef>
+          <a:fontRef idx="minor">
+            <a:schemeClr val="lt1"/>
+          </a:fontRef>
+        </p:style>
+        <p:txBody>
+          <a:bodyPr rtlCol="0" anchor="ctr"/>
+          <a:lstStyle/>
+          <a:p>
+            <a:r>
+              <a:rPr lang="en-US" b="1" spc="-1" dirty="0">
+                <a:solidFill>
+                  <a:schemeClr val="tx1"/>
+                </a:solidFill>
+              </a:rPr>
+              <a:t>Hierarchy</a:t>
+            </a:r>
+            <a:endParaRPr lang="en-US" spc="-1" dirty="0">
+              <a:solidFill>
+                <a:schemeClr val="tx1"/>
+              </a:solidFill>
+            </a:endParaRPr>
+          </a:p>
+          <a:p>
+            <a:r>
+              <a:rPr lang="en-US" spc="-1" dirty="0">
+                <a:solidFill>
+                  <a:schemeClr val="tx1"/>
+                </a:solidFill>
+              </a:rPr>
+              <a:t># </a:t>
+            </a:r>
+            <a:r>
+              <a:rPr lang="en-US" spc="-1" dirty="0" err="1">
+                <a:solidFill>
+                  <a:schemeClr val="tx1"/>
+                </a:solidFill>
+              </a:rPr>
+              <a:t>base_measure</a:t>
+            </a:r>
+            <a:endParaRPr lang="en-US" spc="-1" dirty="0">
+              <a:solidFill>
+                <a:schemeClr val="tx1"/>
+              </a:solidFill>
+            </a:endParaRPr>
+          </a:p>
+          <a:p>
+            <a:r>
+              <a:rPr lang="en-US" spc="-1" dirty="0">
+                <a:solidFill>
+                  <a:schemeClr val="tx1"/>
+                </a:solidFill>
+              </a:rPr>
+              <a:t># kernel</a:t>
+            </a:r>
+          </a:p>
+          <a:p>
+            <a:r>
+              <a:rPr lang="en-US" spc="-1" dirty="0">
+                <a:solidFill>
+                  <a:schemeClr val="tx1"/>
+                </a:solidFill>
+              </a:rPr>
+              <a:t>+ </a:t>
+            </a:r>
+            <a:r>
+              <a:rPr lang="en-US" spc="-1" dirty="0" err="1">
+                <a:solidFill>
+                  <a:schemeClr val="tx1"/>
+                </a:solidFill>
+              </a:rPr>
+              <a:t>is_conjugate</a:t>
+            </a:r>
+            <a:r>
+              <a:rPr lang="en-US" spc="-1" dirty="0">
+                <a:solidFill>
+                  <a:schemeClr val="tx1"/>
+                </a:solidFill>
+              </a:rPr>
+              <a:t>()</a:t>
+            </a:r>
+          </a:p>
+        </p:txBody>
+      </p:sp>
+      <p:sp>
+        <p:nvSpPr>
+          <p:cNvPr id="6" name="Rettangolo 5"/>
+          <p:cNvSpPr/>
+          <p:nvPr/>
+        </p:nvSpPr>
+        <p:spPr>
+          <a:xfrm>
+            <a:off x="6275984" y="319935"/>
+            <a:ext cx="3631817" cy="2695535"/>
+          </a:xfrm>
+          <a:prstGeom prst="rect">
+            <a:avLst/>
+          </a:prstGeom>
+          <a:ln w="38100">
             <a:solidFill>
-              <a:srgbClr val="3465a4"/>
+              <a:schemeClr val="accent3"/>
             </a:solidFill>
           </a:ln>
         </p:spPr>
         <p:style>
-          <a:lnRef idx="0"/>
-          <a:fillRef idx="0"/>
-          <a:effectRef idx="0"/>
-          <a:fontRef idx="minor"/>
+          <a:lnRef idx="1">
+            <a:schemeClr val="accent3"/>
+          </a:lnRef>
+          <a:fillRef idx="2">
+            <a:schemeClr val="accent3"/>
+          </a:fillRef>
+          <a:effectRef idx="1">
+            <a:schemeClr val="accent3"/>
+          </a:effectRef>
+          <a:fontRef idx="minor">
+            <a:schemeClr val="dk1"/>
+          </a:fontRef>
         </p:style>
-      </p:sp>
+        <p:txBody>
+          <a:bodyPr rtlCol="0" anchor="ctr"/>
+          <a:lstStyle/>
+          <a:p>
+            <a:r>
+              <a:rPr lang="en-US" b="1" spc="-1" dirty="0">
+                <a:solidFill>
+                  <a:schemeClr val="tx1"/>
+                </a:solidFill>
+              </a:rPr>
+              <a:t>Algorithm</a:t>
+            </a:r>
+            <a:r>
+              <a:rPr lang="en-US" spc="-1" dirty="0">
+                <a:solidFill>
+                  <a:schemeClr val="tx1"/>
+                </a:solidFill>
+              </a:rPr>
+              <a:t>&lt;</a:t>
+            </a:r>
+            <a:r>
+              <a:rPr lang="en-US" b="1" spc="50" dirty="0" err="1">
+                <a:ln w="0"/>
+                <a:solidFill>
+                  <a:schemeClr val="accent6">
+                    <a:lumMod val="75000"/>
+                  </a:schemeClr>
+                </a:solidFill>
+                <a:effectLst>
+                  <a:innerShdw blurRad="63500" dist="50800" dir="13500000">
+                    <a:srgbClr val="000000">
+                      <a:alpha val="50000"/>
+                    </a:srgbClr>
+                  </a:innerShdw>
+                </a:effectLst>
+              </a:rPr>
+              <a:t>Mixture</a:t>
+            </a:r>
+            <a:r>
+              <a:rPr lang="en-US" b="1" spc="50" dirty="0" err="1">
+                <a:ln w="0"/>
+                <a:solidFill>
+                  <a:schemeClr val="tx1"/>
+                </a:solidFill>
+                <a:effectLst>
+                  <a:innerShdw blurRad="63500" dist="50800" dir="13500000">
+                    <a:srgbClr val="000000">
+                      <a:alpha val="50000"/>
+                    </a:srgbClr>
+                  </a:innerShdw>
+                </a:effectLst>
+              </a:rPr>
+              <a:t>,</a:t>
+            </a:r>
+            <a:r>
+              <a:rPr lang="en-US" b="1" spc="50" dirty="0" err="1">
+                <a:ln w="0">
+                  <a:solidFill>
+                    <a:schemeClr val="accent2"/>
+                  </a:solidFill>
+                </a:ln>
+                <a:solidFill>
+                  <a:schemeClr val="accent2"/>
+                </a:solidFill>
+                <a:effectLst>
+                  <a:innerShdw blurRad="63500" dist="50800" dir="13500000">
+                    <a:srgbClr val="000000">
+                      <a:alpha val="50000"/>
+                    </a:srgbClr>
+                  </a:innerShdw>
+                </a:effectLst>
+              </a:rPr>
+              <a:t>Hierarchy</a:t>
+            </a:r>
+            <a:r>
+              <a:rPr lang="en-US" spc="-1" dirty="0">
+                <a:solidFill>
+                  <a:schemeClr val="tx1"/>
+                </a:solidFill>
+              </a:rPr>
+              <a:t>&gt;</a:t>
+            </a:r>
+          </a:p>
+          <a:p>
+            <a:r>
+              <a:rPr lang="en-US" spc="-1" dirty="0">
+                <a:solidFill>
+                  <a:schemeClr val="tx1"/>
+                </a:solidFill>
+              </a:rPr>
+              <a:t>+ run()</a:t>
+            </a:r>
+          </a:p>
+          <a:p>
+            <a:r>
+              <a:rPr lang="en-US" spc="-1" dirty="0">
+                <a:solidFill>
+                  <a:schemeClr val="tx1"/>
+                </a:solidFill>
+              </a:rPr>
+              <a:t># step()</a:t>
+            </a:r>
+          </a:p>
+          <a:p>
+            <a:r>
+              <a:rPr lang="en-US" spc="-1" dirty="0">
+                <a:solidFill>
+                  <a:schemeClr val="tx1"/>
+                </a:solidFill>
+              </a:rPr>
+              <a:t># </a:t>
+            </a:r>
+            <a:r>
+              <a:rPr lang="en-US" i="1" spc="-1" dirty="0" err="1">
+                <a:solidFill>
+                  <a:schemeClr val="tx1"/>
+                </a:solidFill>
+              </a:rPr>
+              <a:t>sample_allocations</a:t>
+            </a:r>
+            <a:r>
+              <a:rPr lang="en-US" i="1" spc="-1" dirty="0">
+                <a:solidFill>
+                  <a:schemeClr val="tx1"/>
+                </a:solidFill>
+              </a:rPr>
+              <a:t>()</a:t>
+            </a:r>
+            <a:endParaRPr lang="en-US" spc="-1" dirty="0">
+              <a:solidFill>
+                <a:schemeClr val="tx1"/>
+              </a:solidFill>
+            </a:endParaRPr>
+          </a:p>
+          <a:p>
+            <a:r>
+              <a:rPr lang="en-US" spc="-1" dirty="0">
+                <a:solidFill>
+                  <a:schemeClr val="tx1"/>
+                </a:solidFill>
+              </a:rPr>
+              <a:t># </a:t>
+            </a:r>
+            <a:r>
+              <a:rPr lang="en-US" i="1" spc="-1" dirty="0" err="1">
+                <a:solidFill>
+                  <a:schemeClr val="tx1"/>
+                </a:solidFill>
+              </a:rPr>
+              <a:t>sample_unique_values</a:t>
+            </a:r>
+            <a:r>
+              <a:rPr lang="en-US" i="1" spc="-1" dirty="0">
+                <a:solidFill>
+                  <a:schemeClr val="tx1"/>
+                </a:solidFill>
+              </a:rPr>
+              <a:t>()</a:t>
+            </a:r>
+            <a:endParaRPr lang="en-US" spc="-1" dirty="0">
+              <a:solidFill>
+                <a:schemeClr val="tx1"/>
+              </a:solidFill>
+            </a:endParaRPr>
+          </a:p>
+          <a:p>
+            <a:r>
+              <a:rPr lang="en-US" spc="-1" dirty="0">
+                <a:solidFill>
+                  <a:schemeClr val="tx1"/>
+                </a:solidFill>
+              </a:rPr>
+              <a:t># </a:t>
+            </a:r>
+            <a:r>
+              <a:rPr lang="en-US" i="1" spc="-1" dirty="0" err="1">
+                <a:solidFill>
+                  <a:schemeClr val="tx1"/>
+                </a:solidFill>
+              </a:rPr>
+              <a:t>sample_weigths</a:t>
+            </a:r>
+            <a:r>
+              <a:rPr lang="en-US" i="1" spc="-1" dirty="0">
+                <a:solidFill>
+                  <a:schemeClr val="tx1"/>
+                </a:solidFill>
+              </a:rPr>
+              <a:t>()</a:t>
+            </a:r>
+            <a:endParaRPr lang="en-US" spc="-1" dirty="0">
+              <a:solidFill>
+                <a:schemeClr val="tx1"/>
+              </a:solidFill>
+            </a:endParaRPr>
+          </a:p>
+        </p:txBody>
+      </p:sp>
+      <p:sp>
+        <p:nvSpPr>
+          <p:cNvPr id="7" name="Rettangolo 6"/>
+          <p:cNvSpPr/>
+          <p:nvPr/>
+        </p:nvSpPr>
+        <p:spPr>
+          <a:xfrm>
+            <a:off x="3678868" y="3795823"/>
+            <a:ext cx="2987746" cy="1588358"/>
+          </a:xfrm>
+          <a:prstGeom prst="rect">
+            <a:avLst/>
+          </a:prstGeom>
+          <a:ln w="38100">
+            <a:solidFill>
+              <a:schemeClr val="accent3"/>
+            </a:solidFill>
+          </a:ln>
+        </p:spPr>
+        <p:style>
+          <a:lnRef idx="2">
+            <a:schemeClr val="accent3"/>
+          </a:lnRef>
+          <a:fillRef idx="1">
+            <a:schemeClr val="lt1"/>
+          </a:fillRef>
+          <a:effectRef idx="0">
+            <a:schemeClr val="accent3"/>
+          </a:effectRef>
+          <a:fontRef idx="minor">
+            <a:schemeClr val="dk1"/>
+          </a:fontRef>
+        </p:style>
+        <p:txBody>
+          <a:bodyPr rtlCol="0" anchor="ctr"/>
+          <a:lstStyle/>
+          <a:p>
+            <a:r>
+              <a:rPr lang="en-US" b="1" spc="-1" dirty="0"/>
+              <a:t>Neal8</a:t>
+            </a:r>
+            <a:endParaRPr lang="en-US" spc="-1" dirty="0"/>
+          </a:p>
+          <a:p>
+            <a:r>
+              <a:rPr lang="en-US" spc="-1" dirty="0"/>
+              <a:t># </a:t>
+            </a:r>
+            <a:r>
+              <a:rPr lang="en-US" spc="-1" dirty="0" err="1"/>
+              <a:t>sample_allocations</a:t>
+            </a:r>
+            <a:r>
+              <a:rPr lang="en-US" spc="-1" dirty="0"/>
+              <a:t>()</a:t>
+            </a:r>
+          </a:p>
+          <a:p>
+            <a:r>
+              <a:rPr lang="en-US" spc="-1" dirty="0"/>
+              <a:t># </a:t>
+            </a:r>
+            <a:r>
+              <a:rPr lang="en-US" spc="-1" dirty="0" err="1"/>
+              <a:t>sample_unique_values</a:t>
+            </a:r>
+            <a:r>
+              <a:rPr lang="en-US" spc="-1" dirty="0"/>
+              <a:t>()</a:t>
+            </a:r>
+          </a:p>
+          <a:p>
+            <a:r>
+              <a:rPr lang="en-US" spc="-1" dirty="0"/>
+              <a:t># </a:t>
+            </a:r>
+            <a:r>
+              <a:rPr lang="en-US" spc="-1" dirty="0" err="1"/>
+              <a:t>sample_weights</a:t>
+            </a:r>
+            <a:r>
+              <a:rPr lang="en-US" spc="-1" dirty="0"/>
+              <a:t>() = 0</a:t>
+            </a:r>
+          </a:p>
+        </p:txBody>
+      </p:sp>
+      <p:sp>
+        <p:nvSpPr>
+          <p:cNvPr id="8" name="Rettangolo 7"/>
+          <p:cNvSpPr/>
+          <p:nvPr/>
+        </p:nvSpPr>
+        <p:spPr>
+          <a:xfrm>
+            <a:off x="6858000" y="3795823"/>
+            <a:ext cx="3051544" cy="1588357"/>
+          </a:xfrm>
+          <a:prstGeom prst="rect">
+            <a:avLst/>
+          </a:prstGeom>
+          <a:ln w="38100"/>
+        </p:spPr>
+        <p:style>
+          <a:lnRef idx="2">
+            <a:schemeClr val="accent3"/>
+          </a:lnRef>
+          <a:fillRef idx="1">
+            <a:schemeClr val="lt1"/>
+          </a:fillRef>
+          <a:effectRef idx="0">
+            <a:schemeClr val="accent3"/>
+          </a:effectRef>
+          <a:fontRef idx="minor">
+            <a:schemeClr val="dk1"/>
+          </a:fontRef>
+        </p:style>
+        <p:txBody>
+          <a:bodyPr rtlCol="0" anchor="ctr"/>
+          <a:lstStyle/>
+          <a:p>
+            <a:r>
+              <a:rPr lang="en-US" b="1" spc="-1" dirty="0" err="1"/>
+              <a:t>BlockedGibbs</a:t>
+            </a:r>
+            <a:endParaRPr lang="en-US" spc="-1" dirty="0"/>
+          </a:p>
+          <a:p>
+            <a:r>
+              <a:rPr lang="en-US" spc="-1" dirty="0"/>
+              <a:t># </a:t>
+            </a:r>
+            <a:r>
+              <a:rPr lang="en-US" spc="-1" dirty="0" err="1"/>
+              <a:t>sample_allocations</a:t>
+            </a:r>
+            <a:r>
+              <a:rPr lang="en-US" spc="-1" dirty="0"/>
+              <a:t>()</a:t>
+            </a:r>
+          </a:p>
+          <a:p>
+            <a:r>
+              <a:rPr lang="en-US" spc="-1" dirty="0"/>
+              <a:t># </a:t>
+            </a:r>
+            <a:r>
+              <a:rPr lang="en-US" spc="-1" dirty="0" err="1"/>
+              <a:t>sample_unique_values</a:t>
+            </a:r>
+            <a:r>
+              <a:rPr lang="en-US" spc="-1" dirty="0"/>
+              <a:t>()</a:t>
+            </a:r>
+          </a:p>
+          <a:p>
+            <a:r>
+              <a:rPr lang="en-US" spc="-1" dirty="0"/>
+              <a:t># </a:t>
+            </a:r>
+            <a:r>
+              <a:rPr lang="en-US" spc="-1" dirty="0" err="1"/>
+              <a:t>sample_weights</a:t>
+            </a:r>
+            <a:r>
+              <a:rPr lang="en-US" spc="-1" dirty="0"/>
+              <a:t>()</a:t>
+            </a:r>
+          </a:p>
+        </p:txBody>
+      </p:sp>
+      <p:cxnSp>
+        <p:nvCxnSpPr>
+          <p:cNvPr id="23" name="Connettore 7 22"/>
+          <p:cNvCxnSpPr/>
+          <p:nvPr/>
+        </p:nvCxnSpPr>
+        <p:spPr>
+          <a:xfrm rot="5400000">
+            <a:off x="2153015" y="3228468"/>
+            <a:ext cx="683626" cy="542760"/>
+          </a:xfrm>
+          <a:prstGeom prst="curvedConnector3">
+            <a:avLst/>
+          </a:prstGeom>
+          <a:ln>
+            <a:tailEnd type="triangle"/>
+          </a:ln>
+        </p:spPr>
+        <p:style>
+          <a:lnRef idx="2">
+            <a:schemeClr val="accent6"/>
+          </a:lnRef>
+          <a:fillRef idx="0">
+            <a:schemeClr val="accent6"/>
+          </a:fillRef>
+          <a:effectRef idx="1">
+            <a:schemeClr val="accent6"/>
+          </a:effectRef>
+          <a:fontRef idx="minor">
+            <a:schemeClr val="tx1"/>
+          </a:fontRef>
+        </p:style>
+      </p:cxnSp>
+      <p:cxnSp>
+        <p:nvCxnSpPr>
+          <p:cNvPr id="25" name="Connettore 7 24"/>
+          <p:cNvCxnSpPr/>
+          <p:nvPr/>
+        </p:nvCxnSpPr>
+        <p:spPr>
+          <a:xfrm rot="10800000">
+            <a:off x="2140344" y="1988796"/>
+            <a:ext cx="515835" cy="212508"/>
+          </a:xfrm>
+          <a:prstGeom prst="curvedConnector3">
+            <a:avLst/>
+          </a:prstGeom>
+          <a:ln>
+            <a:tailEnd type="triangle"/>
+          </a:ln>
+        </p:spPr>
+        <p:style>
+          <a:lnRef idx="2">
+            <a:schemeClr val="accent6"/>
+          </a:lnRef>
+          <a:fillRef idx="0">
+            <a:schemeClr val="accent6"/>
+          </a:fillRef>
+          <a:effectRef idx="1">
+            <a:schemeClr val="accent6"/>
+          </a:effectRef>
+          <a:fontRef idx="minor">
+            <a:schemeClr val="tx1"/>
+          </a:fontRef>
+        </p:style>
+      </p:cxnSp>
+      <p:cxnSp>
+        <p:nvCxnSpPr>
+          <p:cNvPr id="28" name="Connettore 7 27"/>
+          <p:cNvCxnSpPr/>
+          <p:nvPr/>
+        </p:nvCxnSpPr>
+        <p:spPr>
+          <a:xfrm rot="5400000">
+            <a:off x="5837343" y="3004351"/>
+            <a:ext cx="1031221" cy="818710"/>
+          </a:xfrm>
+          <a:prstGeom prst="curvedConnector3">
+            <a:avLst/>
+          </a:prstGeom>
+          <a:ln>
+            <a:tailEnd type="triangle"/>
+          </a:ln>
+        </p:spPr>
+        <p:style>
+          <a:lnRef idx="2">
+            <a:schemeClr val="accent3"/>
+          </a:lnRef>
+          <a:fillRef idx="0">
+            <a:schemeClr val="accent3"/>
+          </a:fillRef>
+          <a:effectRef idx="1">
+            <a:schemeClr val="accent3"/>
+          </a:effectRef>
+          <a:fontRef idx="minor">
+            <a:schemeClr val="tx1"/>
+          </a:fontRef>
+        </p:style>
+      </p:cxnSp>
+      <p:cxnSp>
+        <p:nvCxnSpPr>
+          <p:cNvPr id="30" name="Connettore 7 29"/>
+          <p:cNvCxnSpPr/>
+          <p:nvPr/>
+        </p:nvCxnSpPr>
+        <p:spPr>
+          <a:xfrm rot="16200000" flipH="1">
+            <a:off x="8216400" y="3118678"/>
+            <a:ext cx="1031224" cy="590057"/>
+          </a:xfrm>
+          <a:prstGeom prst="curvedConnector3">
+            <a:avLst/>
+          </a:prstGeom>
+          <a:ln>
+            <a:tailEnd type="triangle"/>
+          </a:ln>
+        </p:spPr>
+        <p:style>
+          <a:lnRef idx="2">
+            <a:schemeClr val="accent3"/>
+          </a:lnRef>
+          <a:fillRef idx="0">
+            <a:schemeClr val="accent3"/>
+          </a:fillRef>
+          <a:effectRef idx="1">
+            <a:schemeClr val="accent3"/>
+          </a:effectRef>
+          <a:fontRef idx="minor">
+            <a:schemeClr val="tx1"/>
+          </a:fontRef>
+        </p:style>
+      </p:cxnSp>
     </p:spTree>
   </p:cSld>
-  <mc:AlternateContent>
+  <p:clrMapOvr>
+    <a:masterClrMapping/>
+  </p:clrMapOvr>
+  <mc:AlternateContent xmlns:mc="http://schemas.openxmlformats.org/markup-compatibility/2006" xmlns:p14="http://schemas.microsoft.com/office/powerpoint/2010/main">
     <mc:Choice Requires="p14">
       <p:transition spd="slow" p14:dur="2000"/>
     </mc:Choice>
-    <mc:Fallback>
+    <mc:Fallback xmlns:p15="http://schemas.microsoft.com/office/powerpoint/2012/main" xmlns="">
       <p:transition spd="slow"/>
     </mc:Fallback>
   </mc:AlternateContent>
+  <p:timing>
+    <p:tnLst>
+      <p:par>
+        <p:cTn id="1" dur="indefinite" restart="never" nodeType="tmRoot"/>
+      </p:par>
+    </p:tnLst>
+  </p:timing>
 </p:sld>
 </file>
 
@@ -2416,31 +3249,31 @@
         <a:sysClr val="window" lastClr="FFFFFF"/>
       </a:lt1>
       <a:dk2>
-        <a:srgbClr val="1f497d"/>
+        <a:srgbClr val="1F497D"/>
       </a:dk2>
       <a:lt2>
-        <a:srgbClr val="eeece1"/>
+        <a:srgbClr val="EEECE1"/>
       </a:lt2>
       <a:accent1>
-        <a:srgbClr val="4f81bd"/>
+        <a:srgbClr val="4F81BD"/>
       </a:accent1>
       <a:accent2>
-        <a:srgbClr val="c0504d"/>
+        <a:srgbClr val="C0504D"/>
       </a:accent2>
       <a:accent3>
-        <a:srgbClr val="9bbb59"/>
+        <a:srgbClr val="9BBB59"/>
       </a:accent3>
       <a:accent4>
-        <a:srgbClr val="8064a2"/>
+        <a:srgbClr val="8064A2"/>
       </a:accent4>
       <a:accent5>
-        <a:srgbClr val="4bacc6"/>
+        <a:srgbClr val="4BACC6"/>
       </a:accent5>
       <a:accent6>
-        <a:srgbClr val="f79646"/>
+        <a:srgbClr val="F79646"/>
       </a:accent6>
       <a:hlink>
-        <a:srgbClr val="0000ff"/>
+        <a:srgbClr val="0000FF"/>
       </a:hlink>
       <a:folHlink>
         <a:srgbClr val="800080"/>
@@ -2628,5 +3461,7 @@
       </a:bgFillStyleLst>
     </a:fmtScheme>
   </a:themeElements>
+  <a:objectDefaults/>
+  <a:extraClrSchemeLst/>
 </a:theme>
 </file>